--- a/Presentation/01-rhizm-180420.pptx
+++ b/Presentation/01-rhizm-180420.pptx
@@ -5,7 +5,7 @@
     <p:sldMasterId id="2147483650" r:id="rId1"/>
   </p:sldMasterIdLst>
   <p:notesMasterIdLst>
-    <p:notesMasterId r:id="rId8"/>
+    <p:notesMasterId r:id="rId14"/>
   </p:notesMasterIdLst>
   <p:sldIdLst>
     <p:sldId id="443" r:id="rId2"/>
@@ -13,7 +13,13 @@
     <p:sldId id="445" r:id="rId4"/>
     <p:sldId id="446" r:id="rId5"/>
     <p:sldId id="447" r:id="rId6"/>
-    <p:sldId id="448" r:id="rId7"/>
+    <p:sldId id="449" r:id="rId7"/>
+    <p:sldId id="455" r:id="rId8"/>
+    <p:sldId id="452" r:id="rId9"/>
+    <p:sldId id="456" r:id="rId10"/>
+    <p:sldId id="453" r:id="rId11"/>
+    <p:sldId id="454" r:id="rId12"/>
+    <p:sldId id="451" r:id="rId13"/>
   </p:sldIdLst>
   <p:sldSz cx="9144000" cy="5143500" type="screen16x9"/>
   <p:notesSz cx="6858000" cy="9144000"/>
@@ -122,7 +128,13 @@
             <p14:sldId id="445"/>
             <p14:sldId id="446"/>
             <p14:sldId id="447"/>
-            <p14:sldId id="448"/>
+            <p14:sldId id="449"/>
+            <p14:sldId id="455"/>
+            <p14:sldId id="452"/>
+            <p14:sldId id="456"/>
+            <p14:sldId id="453"/>
+            <p14:sldId id="454"/>
+            <p14:sldId id="451"/>
           </p14:sldIdLst>
         </p14:section>
         <p14:section name="Standardabschnitt" id="{54564AE5-F5B8-462C-A303-04431E119CDD}">
@@ -132,6 +144,9 @@
     </p:ext>
     <p:ext uri="{EFAFB233-063F-42B5-8137-9DF3F51BA10A}">
       <p15:sldGuideLst xmlns:p15="http://schemas.microsoft.com/office/powerpoint/2012/main"/>
+    </p:ext>
+    <p:ext uri="{2D200454-40CA-4A62-9FC3-DE9A4176ACB9}">
+      <p15:notesGuideLst xmlns:p15="http://schemas.microsoft.com/office/powerpoint/2012/main"/>
     </p:ext>
   </p:extLst>
 </p:presentation>
@@ -283,7 +298,7 @@
             <a:fld id="{475556F5-037A-479F-83D8-69BDE9B5E673}" type="datetime1">
               <a:rPr lang="de-DE"/>
               <a:pPr lvl="0"/>
-              <a:t>18.04.2018</a:t>
+              <a:t>19.04.2018</a:t>
             </a:fld>
             <a:endParaRPr lang="de-DE"/>
           </a:p>
@@ -716,6 +731,10 @@
           <a:bodyPr/>
           <a:lstStyle/>
           <a:p>
+            <a:r>
+              <a:rPr lang="en-US" dirty="0"/>
+              <a:t>… we have created an enterprise </a:t>
+            </a:r>
             <a:endParaRPr lang="de-DE" dirty="0"/>
           </a:p>
         </p:txBody>
@@ -748,6 +767,232 @@
     <p:extLst>
       <p:ext uri="{BB962C8B-B14F-4D97-AF65-F5344CB8AC3E}">
         <p14:creationId xmlns:p14="http://schemas.microsoft.com/office/powerpoint/2010/main" val="3649011147"/>
+      </p:ext>
+    </p:extLst>
+  </p:cSld>
+  <p:clrMapOvr>
+    <a:masterClrMapping/>
+  </p:clrMapOvr>
+</p:notes>
+</file>
+
+<file path=ppt/notesSlides/notesSlide10.xml><?xml version="1.0" encoding="utf-8"?>
+<p:notes xmlns:a="http://schemas.openxmlformats.org/drawingml/2006/main" xmlns:r="http://schemas.openxmlformats.org/officeDocument/2006/relationships" xmlns:p="http://schemas.openxmlformats.org/presentationml/2006/main">
+  <p:cSld>
+    <p:spTree>
+      <p:nvGrpSpPr>
+        <p:cNvPr id="1" name=""/>
+        <p:cNvGrpSpPr/>
+        <p:nvPr/>
+      </p:nvGrpSpPr>
+      <p:grpSpPr>
+        <a:xfrm>
+          <a:off x="0" y="0"/>
+          <a:ext cx="0" cy="0"/>
+          <a:chOff x="0" y="0"/>
+          <a:chExt cx="0" cy="0"/>
+        </a:xfrm>
+      </p:grpSpPr>
+      <p:sp>
+        <p:nvSpPr>
+          <p:cNvPr id="2" name="Folienbildplatzhalter 1"/>
+          <p:cNvSpPr>
+            <a:spLocks noGrp="1" noRot="1" noChangeAspect="1"/>
+          </p:cNvSpPr>
+          <p:nvPr>
+            <p:ph type="sldImg"/>
+          </p:nvPr>
+        </p:nvSpPr>
+        <p:spPr/>
+      </p:sp>
+      <p:sp>
+        <p:nvSpPr>
+          <p:cNvPr id="3" name="Notizenplatzhalter 2"/>
+          <p:cNvSpPr>
+            <a:spLocks noGrp="1"/>
+          </p:cNvSpPr>
+          <p:nvPr>
+            <p:ph type="body" idx="1"/>
+          </p:nvPr>
+        </p:nvSpPr>
+        <p:spPr/>
+        <p:txBody>
+          <a:bodyPr/>
+          <a:lstStyle/>
+          <a:p>
+            <a:r>
+              <a:rPr lang="en-US" dirty="0"/>
+              <a:t>Milestone reached</a:t>
+            </a:r>
+          </a:p>
+          <a:p>
+            <a:r>
+              <a:rPr lang="en-US" dirty="0"/>
+              <a:t>Small batch production</a:t>
+            </a:r>
+          </a:p>
+          <a:p>
+            <a:r>
+              <a:rPr lang="en-US" dirty="0"/>
+              <a:t>Evaluation</a:t>
+            </a:r>
+          </a:p>
+          <a:p>
+            <a:r>
+              <a:rPr lang="en-US" dirty="0"/>
+              <a:t>Publicity</a:t>
+            </a:r>
+          </a:p>
+          <a:p>
+            <a:r>
+              <a:rPr lang="en-US" dirty="0"/>
+              <a:t>Mass Production</a:t>
+            </a:r>
+            <a:endParaRPr lang="de-DE" dirty="0"/>
+          </a:p>
+        </p:txBody>
+      </p:sp>
+      <p:sp>
+        <p:nvSpPr>
+          <p:cNvPr id="4" name="Foliennummernplatzhalter 3"/>
+          <p:cNvSpPr>
+            <a:spLocks noGrp="1"/>
+          </p:cNvSpPr>
+          <p:nvPr>
+            <p:ph type="sldNum" sz="quarter" idx="10"/>
+          </p:nvPr>
+        </p:nvSpPr>
+        <p:spPr/>
+        <p:txBody>
+          <a:bodyPr/>
+          <a:lstStyle/>
+          <a:p>
+            <a:pPr lvl="0"/>
+            <a:fld id="{F79E0A79-605F-4071-8E2A-B6AA700675A4}" type="slidenum">
+              <a:rPr lang="de-DE" smtClean="0"/>
+              <a:t>11</a:t>
+            </a:fld>
+            <a:endParaRPr lang="de-DE"/>
+          </a:p>
+        </p:txBody>
+      </p:sp>
+    </p:spTree>
+    <p:extLst>
+      <p:ext uri="{BB962C8B-B14F-4D97-AF65-F5344CB8AC3E}">
+        <p14:creationId xmlns:p14="http://schemas.microsoft.com/office/powerpoint/2010/main" val="1706459240"/>
+      </p:ext>
+    </p:extLst>
+  </p:cSld>
+  <p:clrMapOvr>
+    <a:masterClrMapping/>
+  </p:clrMapOvr>
+</p:notes>
+</file>
+
+<file path=ppt/notesSlides/notesSlide11.xml><?xml version="1.0" encoding="utf-8"?>
+<p:notes xmlns:a="http://schemas.openxmlformats.org/drawingml/2006/main" xmlns:r="http://schemas.openxmlformats.org/officeDocument/2006/relationships" xmlns:p="http://schemas.openxmlformats.org/presentationml/2006/main">
+  <p:cSld>
+    <p:spTree>
+      <p:nvGrpSpPr>
+        <p:cNvPr id="1" name=""/>
+        <p:cNvGrpSpPr/>
+        <p:nvPr/>
+      </p:nvGrpSpPr>
+      <p:grpSpPr>
+        <a:xfrm>
+          <a:off x="0" y="0"/>
+          <a:ext cx="0" cy="0"/>
+          <a:chOff x="0" y="0"/>
+          <a:chExt cx="0" cy="0"/>
+        </a:xfrm>
+      </p:grpSpPr>
+      <p:sp>
+        <p:nvSpPr>
+          <p:cNvPr id="2" name="Folienbildplatzhalter 1"/>
+          <p:cNvSpPr>
+            <a:spLocks noGrp="1" noRot="1" noChangeAspect="1"/>
+          </p:cNvSpPr>
+          <p:nvPr>
+            <p:ph type="sldImg"/>
+          </p:nvPr>
+        </p:nvSpPr>
+        <p:spPr/>
+      </p:sp>
+      <p:sp>
+        <p:nvSpPr>
+          <p:cNvPr id="3" name="Notizenplatzhalter 2"/>
+          <p:cNvSpPr>
+            <a:spLocks noGrp="1"/>
+          </p:cNvSpPr>
+          <p:nvPr>
+            <p:ph type="body" idx="1"/>
+          </p:nvPr>
+        </p:nvSpPr>
+        <p:spPr/>
+        <p:txBody>
+          <a:bodyPr/>
+          <a:lstStyle/>
+          <a:p>
+            <a:r>
+              <a:rPr lang="de-DE" dirty="0" err="1"/>
+              <a:t>Thank</a:t>
+            </a:r>
+            <a:r>
+              <a:rPr lang="de-DE" dirty="0"/>
+              <a:t> </a:t>
+            </a:r>
+            <a:r>
+              <a:rPr lang="de-DE" dirty="0" err="1"/>
+              <a:t>our</a:t>
+            </a:r>
+            <a:r>
+              <a:rPr lang="de-DE" dirty="0"/>
+              <a:t> </a:t>
+            </a:r>
+            <a:r>
+              <a:rPr lang="de-DE" dirty="0" err="1"/>
+              <a:t>friends</a:t>
+            </a:r>
+            <a:r>
+              <a:rPr lang="de-DE" dirty="0"/>
+              <a:t> and </a:t>
+            </a:r>
+            <a:r>
+              <a:rPr lang="de-DE" dirty="0" err="1"/>
+              <a:t>supervisors</a:t>
+            </a:r>
+            <a:endParaRPr lang="de-DE" dirty="0"/>
+          </a:p>
+        </p:txBody>
+      </p:sp>
+      <p:sp>
+        <p:nvSpPr>
+          <p:cNvPr id="4" name="Foliennummernplatzhalter 3"/>
+          <p:cNvSpPr>
+            <a:spLocks noGrp="1"/>
+          </p:cNvSpPr>
+          <p:nvPr>
+            <p:ph type="sldNum" sz="quarter" idx="10"/>
+          </p:nvPr>
+        </p:nvSpPr>
+        <p:spPr/>
+        <p:txBody>
+          <a:bodyPr/>
+          <a:lstStyle/>
+          <a:p>
+            <a:pPr lvl="0"/>
+            <a:fld id="{F79E0A79-605F-4071-8E2A-B6AA700675A4}" type="slidenum">
+              <a:rPr lang="de-DE" smtClean="0"/>
+              <a:t>12</a:t>
+            </a:fld>
+            <a:endParaRPr lang="de-DE"/>
+          </a:p>
+        </p:txBody>
+      </p:sp>
+    </p:spTree>
+    <p:extLst>
+      <p:ext uri="{BB962C8B-B14F-4D97-AF65-F5344CB8AC3E}">
+        <p14:creationId xmlns:p14="http://schemas.microsoft.com/office/powerpoint/2010/main" val="2346834458"/>
       </p:ext>
     </p:extLst>
   </p:cSld>
@@ -801,6 +1046,10 @@
           <a:bodyPr/>
           <a:lstStyle/>
           <a:p>
+            <a:r>
+              <a:rPr lang="en-US" dirty="0"/>
+              <a:t>Let’s us give you the core idea in two sentences</a:t>
+            </a:r>
             <a:endParaRPr lang="de-DE" dirty="0"/>
           </a:p>
         </p:txBody>
@@ -886,6 +1135,40 @@
           <a:bodyPr/>
           <a:lstStyle/>
           <a:p>
+            <a:r>
+              <a:rPr lang="de-DE" dirty="0" err="1"/>
+              <a:t>What</a:t>
+            </a:r>
+            <a:r>
+              <a:rPr lang="de-DE" dirty="0"/>
+              <a:t> do </a:t>
+            </a:r>
+            <a:r>
+              <a:rPr lang="de-DE" dirty="0" err="1"/>
+              <a:t>we</a:t>
+            </a:r>
+            <a:r>
+              <a:rPr lang="de-DE" dirty="0"/>
+              <a:t> </a:t>
+            </a:r>
+            <a:r>
+              <a:rPr lang="de-DE" dirty="0" err="1"/>
+              <a:t>believe</a:t>
+            </a:r>
+            <a:r>
+              <a:rPr lang="de-DE" dirty="0"/>
+              <a:t> in?</a:t>
+            </a:r>
+          </a:p>
+          <a:p>
+            <a:r>
+              <a:rPr lang="de-DE" dirty="0"/>
+              <a:t>Motivation </a:t>
+            </a:r>
+            <a:r>
+              <a:rPr lang="de-DE" dirty="0" err="1"/>
+              <a:t>talk</a:t>
+            </a:r>
             <a:endParaRPr lang="de-DE" dirty="0"/>
           </a:p>
         </p:txBody>
@@ -971,6 +1254,65 @@
           <a:bodyPr/>
           <a:lstStyle/>
           <a:p>
+            <a:r>
+              <a:rPr lang="en-US" dirty="0"/>
+              <a:t>The device itself is a custom designed PCB with the latest technology available on the market.</a:t>
+            </a:r>
+          </a:p>
+          <a:p>
+            <a:r>
+              <a:rPr lang="en-US" dirty="0"/>
+              <a:t>* Secure &amp; encrypted</a:t>
+            </a:r>
+          </a:p>
+          <a:p>
+            <a:r>
+              <a:rPr lang="en-US" dirty="0"/>
+              <a:t>* </a:t>
+            </a:r>
+            <a:r>
+              <a:rPr lang="en-US" dirty="0" err="1"/>
+              <a:t>WiFi</a:t>
+            </a:r>
+            <a:endParaRPr lang="en-US" dirty="0"/>
+          </a:p>
+          <a:p>
+            <a:r>
+              <a:rPr lang="en-US" dirty="0"/>
+              <a:t>* Supercapacitor Power Supply</a:t>
+            </a:r>
+          </a:p>
+          <a:p>
+            <a:r>
+              <a:rPr lang="en-US" dirty="0"/>
+              <a:t>* USB-C</a:t>
+            </a:r>
+          </a:p>
+          <a:p>
+            <a:r>
+              <a:rPr lang="en-US" dirty="0"/>
+              <a:t>* IoT</a:t>
+            </a:r>
+          </a:p>
+          <a:p>
+            <a:pPr marL="171450" indent="-171450">
+              <a:buFont typeface="Arial" panose="020B0604020202020204" pitchFamily="34" charset="0"/>
+              <a:buChar char="•"/>
+            </a:pPr>
+            <a:r>
+              <a:rPr lang="en-US" dirty="0"/>
+              <a:t>Blockchain</a:t>
+            </a:r>
+          </a:p>
+          <a:p>
+            <a:pPr marL="171450" indent="-171450">
+              <a:buFont typeface="Arial" panose="020B0604020202020204" pitchFamily="34" charset="0"/>
+              <a:buChar char="•"/>
+            </a:pPr>
+            <a:r>
+              <a:rPr lang="en-US" dirty="0"/>
+              <a:t>RoHS</a:t>
+            </a:r>
             <a:endParaRPr lang="de-DE" dirty="0"/>
           </a:p>
         </p:txBody>
@@ -1172,7 +1514,349 @@
     </p:spTree>
     <p:extLst>
       <p:ext uri="{BB962C8B-B14F-4D97-AF65-F5344CB8AC3E}">
-        <p14:creationId xmlns:p14="http://schemas.microsoft.com/office/powerpoint/2010/main" val="3089459482"/>
+        <p14:creationId xmlns:p14="http://schemas.microsoft.com/office/powerpoint/2010/main" val="2303219449"/>
+      </p:ext>
+    </p:extLst>
+  </p:cSld>
+  <p:clrMapOvr>
+    <a:masterClrMapping/>
+  </p:clrMapOvr>
+</p:notes>
+</file>
+
+<file path=ppt/notesSlides/notesSlide7.xml><?xml version="1.0" encoding="utf-8"?>
+<p:notes xmlns:a="http://schemas.openxmlformats.org/drawingml/2006/main" xmlns:r="http://schemas.openxmlformats.org/officeDocument/2006/relationships" xmlns:p="http://schemas.openxmlformats.org/presentationml/2006/main">
+  <p:cSld>
+    <p:spTree>
+      <p:nvGrpSpPr>
+        <p:cNvPr id="1" name=""/>
+        <p:cNvGrpSpPr/>
+        <p:nvPr/>
+      </p:nvGrpSpPr>
+      <p:grpSpPr>
+        <a:xfrm>
+          <a:off x="0" y="0"/>
+          <a:ext cx="0" cy="0"/>
+          <a:chOff x="0" y="0"/>
+          <a:chExt cx="0" cy="0"/>
+        </a:xfrm>
+      </p:grpSpPr>
+      <p:sp>
+        <p:nvSpPr>
+          <p:cNvPr id="2" name="Folienbildplatzhalter 1"/>
+          <p:cNvSpPr>
+            <a:spLocks noGrp="1" noRot="1" noChangeAspect="1"/>
+          </p:cNvSpPr>
+          <p:nvPr>
+            <p:ph type="sldImg"/>
+          </p:nvPr>
+        </p:nvSpPr>
+        <p:spPr/>
+      </p:sp>
+      <p:sp>
+        <p:nvSpPr>
+          <p:cNvPr id="3" name="Notizenplatzhalter 2"/>
+          <p:cNvSpPr>
+            <a:spLocks noGrp="1"/>
+          </p:cNvSpPr>
+          <p:nvPr>
+            <p:ph type="body" idx="1"/>
+          </p:nvPr>
+        </p:nvSpPr>
+        <p:spPr/>
+        <p:txBody>
+          <a:bodyPr/>
+          <a:lstStyle/>
+          <a:p>
+            <a:r>
+              <a:rPr lang="en-US" dirty="0"/>
+              <a:t>Sandbox – This is what we do.</a:t>
+            </a:r>
+          </a:p>
+          <a:p>
+            <a:r>
+              <a:rPr lang="en-US" dirty="0"/>
+              <a:t>Explain possible use cases:</a:t>
+            </a:r>
+          </a:p>
+          <a:p>
+            <a:pPr marL="171450" indent="-171450">
+              <a:buFont typeface="Arial" panose="020B0604020202020204" pitchFamily="34" charset="0"/>
+              <a:buChar char="•"/>
+            </a:pPr>
+            <a:r>
+              <a:rPr lang="en-US" dirty="0"/>
+              <a:t>Collectible / Game</a:t>
+            </a:r>
+          </a:p>
+          <a:p>
+            <a:pPr marL="171450" indent="-171450">
+              <a:buFont typeface="Arial" panose="020B0604020202020204" pitchFamily="34" charset="0"/>
+              <a:buChar char="•"/>
+            </a:pPr>
+            <a:r>
+              <a:rPr lang="en-US" dirty="0"/>
+              <a:t>Offline interaction secure data transfer</a:t>
+            </a:r>
+          </a:p>
+          <a:p>
+            <a:pPr marL="171450" indent="-171450">
+              <a:buFont typeface="Arial" panose="020B0604020202020204" pitchFamily="34" charset="0"/>
+              <a:buChar char="•"/>
+            </a:pPr>
+            <a:r>
+              <a:rPr lang="en-US" dirty="0"/>
+              <a:t>Open source social network (you have to keep track of the hashes)</a:t>
+            </a:r>
+          </a:p>
+          <a:p>
+            <a:pPr marL="171450" indent="-171450">
+              <a:buFont typeface="Arial" panose="020B0604020202020204" pitchFamily="34" charset="0"/>
+              <a:buChar char="•"/>
+            </a:pPr>
+            <a:r>
+              <a:rPr lang="en-US" dirty="0"/>
+              <a:t>Social tiers for very well connected people (like in Black Mirror)</a:t>
+            </a:r>
+          </a:p>
+          <a:p>
+            <a:pPr marL="171450" indent="-171450">
+              <a:buFont typeface="Arial" panose="020B0604020202020204" pitchFamily="34" charset="0"/>
+              <a:buChar char="•"/>
+            </a:pPr>
+            <a:r>
+              <a:rPr lang="en-US" dirty="0"/>
+              <a:t>Everything involving mesh network connections</a:t>
+            </a:r>
+          </a:p>
+        </p:txBody>
+      </p:sp>
+      <p:sp>
+        <p:nvSpPr>
+          <p:cNvPr id="4" name="Foliennummernplatzhalter 3"/>
+          <p:cNvSpPr>
+            <a:spLocks noGrp="1"/>
+          </p:cNvSpPr>
+          <p:nvPr>
+            <p:ph type="sldNum" sz="quarter" idx="10"/>
+          </p:nvPr>
+        </p:nvSpPr>
+        <p:spPr/>
+        <p:txBody>
+          <a:bodyPr/>
+          <a:lstStyle/>
+          <a:p>
+            <a:pPr lvl="0"/>
+            <a:fld id="{F79E0A79-605F-4071-8E2A-B6AA700675A4}" type="slidenum">
+              <a:rPr lang="de-DE" smtClean="0"/>
+              <a:t>8</a:t>
+            </a:fld>
+            <a:endParaRPr lang="de-DE"/>
+          </a:p>
+        </p:txBody>
+      </p:sp>
+    </p:spTree>
+    <p:extLst>
+      <p:ext uri="{BB962C8B-B14F-4D97-AF65-F5344CB8AC3E}">
+        <p14:creationId xmlns:p14="http://schemas.microsoft.com/office/powerpoint/2010/main" val="3898692428"/>
+      </p:ext>
+    </p:extLst>
+  </p:cSld>
+  <p:clrMapOvr>
+    <a:masterClrMapping/>
+  </p:clrMapOvr>
+</p:notes>
+</file>
+
+<file path=ppt/notesSlides/notesSlide8.xml><?xml version="1.0" encoding="utf-8"?>
+<p:notes xmlns:a="http://schemas.openxmlformats.org/drawingml/2006/main" xmlns:r="http://schemas.openxmlformats.org/officeDocument/2006/relationships" xmlns:p="http://schemas.openxmlformats.org/presentationml/2006/main">
+  <p:cSld>
+    <p:spTree>
+      <p:nvGrpSpPr>
+        <p:cNvPr id="1" name=""/>
+        <p:cNvGrpSpPr/>
+        <p:nvPr/>
+      </p:nvGrpSpPr>
+      <p:grpSpPr>
+        <a:xfrm>
+          <a:off x="0" y="0"/>
+          <a:ext cx="0" cy="0"/>
+          <a:chOff x="0" y="0"/>
+          <a:chExt cx="0" cy="0"/>
+        </a:xfrm>
+      </p:grpSpPr>
+      <p:sp>
+        <p:nvSpPr>
+          <p:cNvPr id="2" name="Folienbildplatzhalter 1"/>
+          <p:cNvSpPr>
+            <a:spLocks noGrp="1" noRot="1" noChangeAspect="1"/>
+          </p:cNvSpPr>
+          <p:nvPr>
+            <p:ph type="sldImg"/>
+          </p:nvPr>
+        </p:nvSpPr>
+        <p:spPr/>
+      </p:sp>
+      <p:sp>
+        <p:nvSpPr>
+          <p:cNvPr id="3" name="Notizenplatzhalter 2"/>
+          <p:cNvSpPr>
+            <a:spLocks noGrp="1"/>
+          </p:cNvSpPr>
+          <p:nvPr>
+            <p:ph type="body" idx="1"/>
+          </p:nvPr>
+        </p:nvSpPr>
+        <p:spPr/>
+        <p:txBody>
+          <a:bodyPr/>
+          <a:lstStyle/>
+          <a:p>
+            <a:r>
+              <a:rPr lang="en-US" dirty="0"/>
+              <a:t>This is what we offer.</a:t>
+            </a:r>
+          </a:p>
+          <a:p>
+            <a:r>
+              <a:rPr lang="en-US" dirty="0"/>
+              <a:t>Explain components and manufacturing process</a:t>
+            </a:r>
+          </a:p>
+        </p:txBody>
+      </p:sp>
+      <p:sp>
+        <p:nvSpPr>
+          <p:cNvPr id="4" name="Foliennummernplatzhalter 3"/>
+          <p:cNvSpPr>
+            <a:spLocks noGrp="1"/>
+          </p:cNvSpPr>
+          <p:nvPr>
+            <p:ph type="sldNum" sz="quarter" idx="10"/>
+          </p:nvPr>
+        </p:nvSpPr>
+        <p:spPr/>
+        <p:txBody>
+          <a:bodyPr/>
+          <a:lstStyle/>
+          <a:p>
+            <a:pPr lvl="0"/>
+            <a:fld id="{F79E0A79-605F-4071-8E2A-B6AA700675A4}" type="slidenum">
+              <a:rPr lang="de-DE" smtClean="0"/>
+              <a:t>9</a:t>
+            </a:fld>
+            <a:endParaRPr lang="de-DE"/>
+          </a:p>
+        </p:txBody>
+      </p:sp>
+    </p:spTree>
+    <p:extLst>
+      <p:ext uri="{BB962C8B-B14F-4D97-AF65-F5344CB8AC3E}">
+        <p14:creationId xmlns:p14="http://schemas.microsoft.com/office/powerpoint/2010/main" val="1060585690"/>
+      </p:ext>
+    </p:extLst>
+  </p:cSld>
+  <p:clrMapOvr>
+    <a:masterClrMapping/>
+  </p:clrMapOvr>
+</p:notes>
+</file>
+
+<file path=ppt/notesSlides/notesSlide9.xml><?xml version="1.0" encoding="utf-8"?>
+<p:notes xmlns:a="http://schemas.openxmlformats.org/drawingml/2006/main" xmlns:r="http://schemas.openxmlformats.org/officeDocument/2006/relationships" xmlns:p="http://schemas.openxmlformats.org/presentationml/2006/main">
+  <p:cSld>
+    <p:spTree>
+      <p:nvGrpSpPr>
+        <p:cNvPr id="1" name=""/>
+        <p:cNvGrpSpPr/>
+        <p:nvPr/>
+      </p:nvGrpSpPr>
+      <p:grpSpPr>
+        <a:xfrm>
+          <a:off x="0" y="0"/>
+          <a:ext cx="0" cy="0"/>
+          <a:chOff x="0" y="0"/>
+          <a:chExt cx="0" cy="0"/>
+        </a:xfrm>
+      </p:grpSpPr>
+      <p:sp>
+        <p:nvSpPr>
+          <p:cNvPr id="2" name="Folienbildplatzhalter 1"/>
+          <p:cNvSpPr>
+            <a:spLocks noGrp="1" noRot="1" noChangeAspect="1"/>
+          </p:cNvSpPr>
+          <p:nvPr>
+            <p:ph type="sldImg"/>
+          </p:nvPr>
+        </p:nvSpPr>
+        <p:spPr/>
+      </p:sp>
+      <p:sp>
+        <p:nvSpPr>
+          <p:cNvPr id="3" name="Notizenplatzhalter 2"/>
+          <p:cNvSpPr>
+            <a:spLocks noGrp="1"/>
+          </p:cNvSpPr>
+          <p:nvPr>
+            <p:ph type="body" idx="1"/>
+          </p:nvPr>
+        </p:nvSpPr>
+        <p:spPr/>
+        <p:txBody>
+          <a:bodyPr/>
+          <a:lstStyle/>
+          <a:p>
+            <a:r>
+              <a:rPr lang="en-US" dirty="0"/>
+              <a:t>This comes with </a:t>
+            </a:r>
+            <a:r>
+              <a:rPr lang="en-US"/>
+              <a:t>the product.</a:t>
+            </a:r>
+          </a:p>
+          <a:p>
+            <a:r>
+              <a:rPr lang="en-US" dirty="0"/>
+              <a:t>Eco system</a:t>
+            </a:r>
+          </a:p>
+          <a:p>
+            <a:r>
+              <a:rPr lang="en-US" dirty="0"/>
+              <a:t>Pricing model</a:t>
+            </a:r>
+          </a:p>
+        </p:txBody>
+      </p:sp>
+      <p:sp>
+        <p:nvSpPr>
+          <p:cNvPr id="4" name="Foliennummernplatzhalter 3"/>
+          <p:cNvSpPr>
+            <a:spLocks noGrp="1"/>
+          </p:cNvSpPr>
+          <p:nvPr>
+            <p:ph type="sldNum" sz="quarter" idx="10"/>
+          </p:nvPr>
+        </p:nvSpPr>
+        <p:spPr/>
+        <p:txBody>
+          <a:bodyPr/>
+          <a:lstStyle/>
+          <a:p>
+            <a:pPr lvl="0"/>
+            <a:fld id="{F79E0A79-605F-4071-8E2A-B6AA700675A4}" type="slidenum">
+              <a:rPr lang="de-DE" smtClean="0"/>
+              <a:t>10</a:t>
+            </a:fld>
+            <a:endParaRPr lang="de-DE"/>
+          </a:p>
+        </p:txBody>
+      </p:sp>
+    </p:spTree>
+    <p:extLst>
+      <p:ext uri="{BB962C8B-B14F-4D97-AF65-F5344CB8AC3E}">
+        <p14:creationId xmlns:p14="http://schemas.microsoft.com/office/powerpoint/2010/main" val="3720682437"/>
       </p:ext>
     </p:extLst>
   </p:cSld>
@@ -1551,7 +2235,9 @@
           <a:bodyPr/>
           <a:lstStyle>
             <a:lvl1pPr algn="l">
-              <a:defRPr sz="1100" b="1"/>
+              <a:defRPr sz="1100" b="1">
+                <a:latin typeface="Neurial Grotesk" panose="00000500000000000000" pitchFamily="50" charset="0"/>
+              </a:defRPr>
             </a:lvl1pPr>
           </a:lstStyle>
           <a:p>
@@ -1592,7 +2278,9 @@
           <a:bodyPr/>
           <a:lstStyle>
             <a:lvl1pPr>
-              <a:defRPr sz="1100"/>
+              <a:defRPr sz="1100">
+                <a:latin typeface="Neurial Grotesk" panose="00000500000000000000" pitchFamily="50" charset="0"/>
+              </a:defRPr>
             </a:lvl1pPr>
           </a:lstStyle>
           <a:p>
@@ -1616,7 +2304,7 @@
   </p:clrMapOvr>
   <mc:AlternateContent xmlns:mc="http://schemas.openxmlformats.org/markup-compatibility/2006" xmlns:p14="http://schemas.microsoft.com/office/powerpoint/2010/main">
     <mc:Choice Requires="p14">
-      <p:transition p14:dur="0"/>
+      <p:transition p14:dur="10"/>
     </mc:Choice>
     <mc:Fallback xmlns="">
       <p:transition/>
@@ -3218,11 +3906,11 @@
           <a:bodyPr/>
           <a:lstStyle>
             <a:lvl1pPr algn="ctr">
-              <a:defRPr lang="de-DE" sz="3400" b="1" kern="1200" dirty="0" smtClean="0">
+              <a:defRPr lang="de-DE" sz="3200" b="1" kern="1200" dirty="0" smtClean="0">
                 <a:solidFill>
                   <a:schemeClr val="tx2"/>
                 </a:solidFill>
-                <a:latin typeface="+mj-lt"/>
+                <a:latin typeface="Neurial Grotesk" panose="00000500000000000000" pitchFamily="50" charset="0"/>
                 <a:ea typeface="+mj-ea"/>
                 <a:cs typeface="+mj-cs"/>
               </a:defRPr>
@@ -3855,18 +4543,477 @@
   <p:clrMapOvr>
     <a:masterClrMapping/>
   </p:clrMapOvr>
-  <mc:AlternateContent xmlns:mc="http://schemas.openxmlformats.org/markup-compatibility/2006">
-    <mc:Choice xmlns:p14="http://schemas.microsoft.com/office/powerpoint/2010/main" Requires="p14">
+  <mc:AlternateContent xmlns:mc="http://schemas.openxmlformats.org/markup-compatibility/2006" xmlns:p14="http://schemas.microsoft.com/office/powerpoint/2010/main">
+    <mc:Choice Requires="p14">
       <p:transition spd="slow" p14:dur="5000">
         <p:fade/>
       </p:transition>
     </mc:Choice>
-    <mc:Fallback>
+    <mc:Fallback xmlns="">
       <p:transition spd="slow">
         <p:fade/>
       </p:transition>
     </mc:Fallback>
   </mc:AlternateContent>
+</p:sld>
+</file>
+
+<file path=ppt/slides/slide10.xml><?xml version="1.0" encoding="utf-8"?>
+<p:sld xmlns:a="http://schemas.openxmlformats.org/drawingml/2006/main" xmlns:r="http://schemas.openxmlformats.org/officeDocument/2006/relationships" xmlns:p="http://schemas.openxmlformats.org/presentationml/2006/main">
+  <p:cSld>
+    <p:spTree>
+      <p:nvGrpSpPr>
+        <p:cNvPr id="1" name=""/>
+        <p:cNvGrpSpPr/>
+        <p:nvPr/>
+      </p:nvGrpSpPr>
+      <p:grpSpPr>
+        <a:xfrm>
+          <a:off x="0" y="0"/>
+          <a:ext cx="0" cy="0"/>
+          <a:chOff x="0" y="0"/>
+          <a:chExt cx="0" cy="0"/>
+        </a:xfrm>
+      </p:grpSpPr>
+      <p:sp>
+        <p:nvSpPr>
+          <p:cNvPr id="3" name="Textplatzhalter 2">
+            <a:extLst>
+              <a:ext uri="{FF2B5EF4-FFF2-40B4-BE49-F238E27FC236}">
+                <a16:creationId xmlns:a16="http://schemas.microsoft.com/office/drawing/2014/main" id="{1EEC5243-5993-4D64-8711-BF679FD824E5}"/>
+              </a:ext>
+            </a:extLst>
+          </p:cNvPr>
+          <p:cNvSpPr>
+            <a:spLocks noGrp="1"/>
+          </p:cNvSpPr>
+          <p:nvPr>
+            <p:ph type="body" sz="quarter" idx="10"/>
+          </p:nvPr>
+        </p:nvSpPr>
+        <p:spPr/>
+        <p:txBody>
+          <a:bodyPr/>
+          <a:lstStyle/>
+          <a:p>
+            <a:r>
+              <a:rPr lang="en-US" dirty="0"/>
+              <a:t>// Pouch &amp; Cables</a:t>
+            </a:r>
+            <a:endParaRPr lang="de-DE" dirty="0"/>
+          </a:p>
+        </p:txBody>
+      </p:sp>
+    </p:spTree>
+    <p:extLst>
+      <p:ext uri="{BB962C8B-B14F-4D97-AF65-F5344CB8AC3E}">
+        <p14:creationId xmlns:p14="http://schemas.microsoft.com/office/powerpoint/2010/main" val="4153148286"/>
+      </p:ext>
+    </p:extLst>
+  </p:cSld>
+  <p:clrMapOvr>
+    <a:masterClrMapping/>
+  </p:clrMapOvr>
+  <mc:AlternateContent xmlns:mc="http://schemas.openxmlformats.org/markup-compatibility/2006" xmlns:p14="http://schemas.microsoft.com/office/powerpoint/2010/main">
+    <mc:Choice Requires="p14">
+      <p:transition p14:dur="0"/>
+    </mc:Choice>
+    <mc:Fallback xmlns="">
+      <p:transition/>
+    </mc:Fallback>
+  </mc:AlternateContent>
+</p:sld>
+</file>
+
+<file path=ppt/slides/slide11.xml><?xml version="1.0" encoding="utf-8"?>
+<p:sld xmlns:a="http://schemas.openxmlformats.org/drawingml/2006/main" xmlns:r="http://schemas.openxmlformats.org/officeDocument/2006/relationships" xmlns:p="http://schemas.openxmlformats.org/presentationml/2006/main">
+  <p:cSld>
+    <p:spTree>
+      <p:nvGrpSpPr>
+        <p:cNvPr id="1" name=""/>
+        <p:cNvGrpSpPr/>
+        <p:nvPr/>
+      </p:nvGrpSpPr>
+      <p:grpSpPr>
+        <a:xfrm>
+          <a:off x="0" y="0"/>
+          <a:ext cx="0" cy="0"/>
+          <a:chOff x="0" y="0"/>
+          <a:chExt cx="0" cy="0"/>
+        </a:xfrm>
+      </p:grpSpPr>
+      <p:sp>
+        <p:nvSpPr>
+          <p:cNvPr id="11" name="Textplatzhalter 2">
+            <a:extLst>
+              <a:ext uri="{FF2B5EF4-FFF2-40B4-BE49-F238E27FC236}">
+                <a16:creationId xmlns:a16="http://schemas.microsoft.com/office/drawing/2014/main" id="{50DD7D75-51E1-4526-8DD4-488AD3C18715}"/>
+              </a:ext>
+            </a:extLst>
+          </p:cNvPr>
+          <p:cNvSpPr txBox="1">
+            <a:spLocks/>
+          </p:cNvSpPr>
+          <p:nvPr/>
+        </p:nvSpPr>
+        <p:spPr>
+          <a:xfrm>
+            <a:off x="236538" y="2400909"/>
+            <a:ext cx="8669337" cy="669925"/>
+          </a:xfrm>
+          <a:prstGeom prst="rect">
+            <a:avLst/>
+          </a:prstGeom>
+        </p:spPr>
+        <p:txBody>
+          <a:bodyPr/>
+          <a:lstStyle>
+            <a:lvl1pPr marL="0" indent="0" algn="ctr" defTabSz="685800" rtl="0" eaLnBrk="1" latinLnBrk="0" hangingPunct="1">
+              <a:lnSpc>
+                <a:spcPct val="90000"/>
+              </a:lnSpc>
+              <a:spcBef>
+                <a:spcPts val="750"/>
+              </a:spcBef>
+              <a:buFont typeface="Arial" panose="020B0604020202020204" pitchFamily="34" charset="0"/>
+              <a:buNone/>
+              <a:defRPr lang="de-DE" sz="3400" b="1" kern="1200" dirty="0" smtClean="0">
+                <a:solidFill>
+                  <a:schemeClr val="bg2"/>
+                </a:solidFill>
+                <a:latin typeface="Neurial Grotesk" panose="00000500000000000000" pitchFamily="50" charset="0"/>
+                <a:ea typeface="+mj-ea"/>
+                <a:cs typeface="+mj-cs"/>
+              </a:defRPr>
+            </a:lvl1pPr>
+            <a:lvl2pPr marL="514350" indent="-171450" algn="l" defTabSz="685800" rtl="0" eaLnBrk="1" latinLnBrk="0" hangingPunct="1">
+              <a:lnSpc>
+                <a:spcPct val="90000"/>
+              </a:lnSpc>
+              <a:spcBef>
+                <a:spcPts val="375"/>
+              </a:spcBef>
+              <a:buFont typeface="Arial" panose="020B0604020202020204" pitchFamily="34" charset="0"/>
+              <a:buChar char="•"/>
+              <a:defRPr sz="1800" kern="1200">
+                <a:solidFill>
+                  <a:schemeClr val="tx1"/>
+                </a:solidFill>
+                <a:latin typeface="+mn-lt"/>
+                <a:ea typeface="+mn-ea"/>
+                <a:cs typeface="+mn-cs"/>
+              </a:defRPr>
+            </a:lvl2pPr>
+            <a:lvl3pPr marL="857250" indent="-171450" algn="l" defTabSz="685800" rtl="0" eaLnBrk="1" latinLnBrk="0" hangingPunct="1">
+              <a:lnSpc>
+                <a:spcPct val="90000"/>
+              </a:lnSpc>
+              <a:spcBef>
+                <a:spcPts val="375"/>
+              </a:spcBef>
+              <a:buFont typeface="Arial" panose="020B0604020202020204" pitchFamily="34" charset="0"/>
+              <a:buChar char="•"/>
+              <a:defRPr sz="1500" kern="1200">
+                <a:solidFill>
+                  <a:schemeClr val="tx1"/>
+                </a:solidFill>
+                <a:latin typeface="+mn-lt"/>
+                <a:ea typeface="+mn-ea"/>
+                <a:cs typeface="+mn-cs"/>
+              </a:defRPr>
+            </a:lvl3pPr>
+            <a:lvl4pPr marL="1200150" indent="-171450" algn="l" defTabSz="685800" rtl="0" eaLnBrk="1" latinLnBrk="0" hangingPunct="1">
+              <a:lnSpc>
+                <a:spcPct val="90000"/>
+              </a:lnSpc>
+              <a:spcBef>
+                <a:spcPts val="375"/>
+              </a:spcBef>
+              <a:buFont typeface="Arial" panose="020B0604020202020204" pitchFamily="34" charset="0"/>
+              <a:buChar char="•"/>
+              <a:defRPr sz="1350" kern="1200">
+                <a:solidFill>
+                  <a:schemeClr val="tx1"/>
+                </a:solidFill>
+                <a:latin typeface="+mn-lt"/>
+                <a:ea typeface="+mn-ea"/>
+                <a:cs typeface="+mn-cs"/>
+              </a:defRPr>
+            </a:lvl4pPr>
+            <a:lvl5pPr marL="1543050" indent="-171450" algn="l" defTabSz="685800" rtl="0" eaLnBrk="1" latinLnBrk="0" hangingPunct="1">
+              <a:lnSpc>
+                <a:spcPct val="90000"/>
+              </a:lnSpc>
+              <a:spcBef>
+                <a:spcPts val="375"/>
+              </a:spcBef>
+              <a:buFont typeface="Arial" panose="020B0604020202020204" pitchFamily="34" charset="0"/>
+              <a:buChar char="•"/>
+              <a:defRPr sz="1350" kern="1200">
+                <a:solidFill>
+                  <a:schemeClr val="tx1"/>
+                </a:solidFill>
+                <a:latin typeface="+mn-lt"/>
+                <a:ea typeface="+mn-ea"/>
+                <a:cs typeface="+mn-cs"/>
+              </a:defRPr>
+            </a:lvl5pPr>
+            <a:lvl6pPr marL="1885950" indent="-171450" algn="l" defTabSz="685800" rtl="0" eaLnBrk="1" latinLnBrk="0" hangingPunct="1">
+              <a:lnSpc>
+                <a:spcPct val="90000"/>
+              </a:lnSpc>
+              <a:spcBef>
+                <a:spcPts val="375"/>
+              </a:spcBef>
+              <a:buFont typeface="Arial" panose="020B0604020202020204" pitchFamily="34" charset="0"/>
+              <a:buChar char="•"/>
+              <a:defRPr sz="1350" kern="1200">
+                <a:solidFill>
+                  <a:schemeClr val="tx1"/>
+                </a:solidFill>
+                <a:latin typeface="+mn-lt"/>
+                <a:ea typeface="+mn-ea"/>
+                <a:cs typeface="+mn-cs"/>
+              </a:defRPr>
+            </a:lvl6pPr>
+            <a:lvl7pPr marL="2228850" indent="-171450" algn="l" defTabSz="685800" rtl="0" eaLnBrk="1" latinLnBrk="0" hangingPunct="1">
+              <a:lnSpc>
+                <a:spcPct val="90000"/>
+              </a:lnSpc>
+              <a:spcBef>
+                <a:spcPts val="375"/>
+              </a:spcBef>
+              <a:buFont typeface="Arial" panose="020B0604020202020204" pitchFamily="34" charset="0"/>
+              <a:buChar char="•"/>
+              <a:defRPr sz="1350" kern="1200">
+                <a:solidFill>
+                  <a:schemeClr val="tx1"/>
+                </a:solidFill>
+                <a:latin typeface="+mn-lt"/>
+                <a:ea typeface="+mn-ea"/>
+                <a:cs typeface="+mn-cs"/>
+              </a:defRPr>
+            </a:lvl7pPr>
+            <a:lvl8pPr marL="2571750" indent="-171450" algn="l" defTabSz="685800" rtl="0" eaLnBrk="1" latinLnBrk="0" hangingPunct="1">
+              <a:lnSpc>
+                <a:spcPct val="90000"/>
+              </a:lnSpc>
+              <a:spcBef>
+                <a:spcPts val="375"/>
+              </a:spcBef>
+              <a:buFont typeface="Arial" panose="020B0604020202020204" pitchFamily="34" charset="0"/>
+              <a:buChar char="•"/>
+              <a:defRPr sz="1350" kern="1200">
+                <a:solidFill>
+                  <a:schemeClr val="tx1"/>
+                </a:solidFill>
+                <a:latin typeface="+mn-lt"/>
+                <a:ea typeface="+mn-ea"/>
+                <a:cs typeface="+mn-cs"/>
+              </a:defRPr>
+            </a:lvl8pPr>
+            <a:lvl9pPr marL="2914650" indent="-171450" algn="l" defTabSz="685800" rtl="0" eaLnBrk="1" latinLnBrk="0" hangingPunct="1">
+              <a:lnSpc>
+                <a:spcPct val="90000"/>
+              </a:lnSpc>
+              <a:spcBef>
+                <a:spcPts val="375"/>
+              </a:spcBef>
+              <a:buFont typeface="Arial" panose="020B0604020202020204" pitchFamily="34" charset="0"/>
+              <a:buChar char="•"/>
+              <a:defRPr sz="1350" kern="1200">
+                <a:solidFill>
+                  <a:schemeClr val="tx1"/>
+                </a:solidFill>
+                <a:latin typeface="+mn-lt"/>
+                <a:ea typeface="+mn-ea"/>
+                <a:cs typeface="+mn-cs"/>
+              </a:defRPr>
+            </a:lvl9pPr>
+          </a:lstStyle>
+          <a:p>
+            <a:r>
+              <a:rPr lang="en-US" sz="1500" dirty="0"/>
+              <a:t>W   E                                                                                                                                                           F   U   T   U   R   E</a:t>
+            </a:r>
+          </a:p>
+        </p:txBody>
+      </p:sp>
+      <p:cxnSp>
+        <p:nvCxnSpPr>
+          <p:cNvPr id="15" name="Gerade Verbindung mit Pfeil 14">
+            <a:extLst>
+              <a:ext uri="{FF2B5EF4-FFF2-40B4-BE49-F238E27FC236}">
+                <a16:creationId xmlns:a16="http://schemas.microsoft.com/office/drawing/2014/main" id="{D5F675F9-A61C-4BA2-9B2F-91FEBE58B48E}"/>
+              </a:ext>
+            </a:extLst>
+          </p:cNvPr>
+          <p:cNvCxnSpPr/>
+          <p:nvPr/>
+        </p:nvCxnSpPr>
+        <p:spPr>
+          <a:xfrm>
+            <a:off x="966788" y="2538046"/>
+            <a:ext cx="6231181" cy="0"/>
+          </a:xfrm>
+          <a:prstGeom prst="straightConnector1">
+            <a:avLst/>
+          </a:prstGeom>
+          <a:ln>
+            <a:solidFill>
+              <a:schemeClr val="bg1"/>
+            </a:solidFill>
+            <a:tailEnd type="triangle"/>
+          </a:ln>
+        </p:spPr>
+        <p:style>
+          <a:lnRef idx="1">
+            <a:schemeClr val="accent1"/>
+          </a:lnRef>
+          <a:fillRef idx="0">
+            <a:schemeClr val="accent1"/>
+          </a:fillRef>
+          <a:effectRef idx="0">
+            <a:schemeClr val="accent1"/>
+          </a:effectRef>
+          <a:fontRef idx="minor">
+            <a:schemeClr val="tx1"/>
+          </a:fontRef>
+        </p:style>
+      </p:cxnSp>
+    </p:spTree>
+    <p:extLst>
+      <p:ext uri="{BB962C8B-B14F-4D97-AF65-F5344CB8AC3E}">
+        <p14:creationId xmlns:p14="http://schemas.microsoft.com/office/powerpoint/2010/main" val="3268528834"/>
+      </p:ext>
+    </p:extLst>
+  </p:cSld>
+  <p:clrMapOvr>
+    <a:masterClrMapping/>
+  </p:clrMapOvr>
+  <mc:AlternateContent xmlns:mc="http://schemas.openxmlformats.org/markup-compatibility/2006" xmlns:p14="http://schemas.microsoft.com/office/powerpoint/2010/main">
+    <mc:Choice Requires="p14">
+      <p:transition p14:dur="0"/>
+    </mc:Choice>
+    <mc:Fallback xmlns="">
+      <p:transition/>
+    </mc:Fallback>
+  </mc:AlternateContent>
+</p:sld>
+</file>
+
+<file path=ppt/slides/slide12.xml><?xml version="1.0" encoding="utf-8"?>
+<p:sld xmlns:a="http://schemas.openxmlformats.org/drawingml/2006/main" xmlns:r="http://schemas.openxmlformats.org/officeDocument/2006/relationships" xmlns:p="http://schemas.openxmlformats.org/presentationml/2006/main">
+  <p:cSld>
+    <p:spTree>
+      <p:nvGrpSpPr>
+        <p:cNvPr id="1" name=""/>
+        <p:cNvGrpSpPr/>
+        <p:nvPr/>
+      </p:nvGrpSpPr>
+      <p:grpSpPr>
+        <a:xfrm>
+          <a:off x="0" y="0"/>
+          <a:ext cx="0" cy="0"/>
+          <a:chOff x="0" y="0"/>
+          <a:chExt cx="0" cy="0"/>
+        </a:xfrm>
+      </p:grpSpPr>
+      <p:sp>
+        <p:nvSpPr>
+          <p:cNvPr id="2" name="Textplatzhalter 1">
+            <a:extLst>
+              <a:ext uri="{FF2B5EF4-FFF2-40B4-BE49-F238E27FC236}">
+                <a16:creationId xmlns:a16="http://schemas.microsoft.com/office/drawing/2014/main" id="{50B2B420-0B9A-47DA-8BA4-24F62A745678}"/>
+              </a:ext>
+            </a:extLst>
+          </p:cNvPr>
+          <p:cNvSpPr>
+            <a:spLocks noGrp="1"/>
+          </p:cNvSpPr>
+          <p:nvPr>
+            <p:ph type="body" sz="quarter" idx="10"/>
+          </p:nvPr>
+        </p:nvSpPr>
+        <p:spPr/>
+        <p:txBody>
+          <a:bodyPr/>
+          <a:lstStyle/>
+          <a:p>
+            <a:r>
+              <a:rPr lang="de-DE" dirty="0" err="1"/>
+              <a:t>Visit</a:t>
+            </a:r>
+            <a:r>
+              <a:rPr lang="de-DE" dirty="0"/>
+              <a:t> </a:t>
+            </a:r>
+            <a:r>
+              <a:rPr lang="de-DE" dirty="0" err="1"/>
+              <a:t>our</a:t>
+            </a:r>
+            <a:r>
+              <a:rPr lang="de-DE" dirty="0"/>
+              <a:t> </a:t>
+            </a:r>
+            <a:r>
+              <a:rPr lang="de-DE" dirty="0" err="1"/>
+              <a:t>booth</a:t>
+            </a:r>
+            <a:r>
+              <a:rPr lang="de-DE" dirty="0"/>
+              <a:t> in </a:t>
+            </a:r>
+            <a:r>
+              <a:rPr lang="de-DE" dirty="0">
+                <a:solidFill>
+                  <a:srgbClr val="E55050"/>
+                </a:solidFill>
+              </a:rPr>
+              <a:t>Segment 7</a:t>
+            </a:r>
+            <a:r>
+              <a:rPr lang="de-DE" dirty="0"/>
+              <a:t>.</a:t>
+            </a:r>
+          </a:p>
+          <a:p>
+            <a:r>
+              <a:rPr lang="en-US" dirty="0"/>
+              <a:t>T</a:t>
+            </a:r>
+            <a:r>
+              <a:rPr lang="de-DE" dirty="0" err="1"/>
+              <a:t>hank</a:t>
+            </a:r>
+            <a:r>
+              <a:rPr lang="de-DE" dirty="0"/>
+              <a:t> </a:t>
+            </a:r>
+            <a:r>
+              <a:rPr lang="de-DE" dirty="0" err="1"/>
+              <a:t>you</a:t>
+            </a:r>
+            <a:r>
+              <a:rPr lang="de-DE" dirty="0"/>
+              <a:t>.</a:t>
+            </a:r>
+          </a:p>
+        </p:txBody>
+      </p:sp>
+    </p:spTree>
+    <p:extLst>
+      <p:ext uri="{BB962C8B-B14F-4D97-AF65-F5344CB8AC3E}">
+        <p14:creationId xmlns:p14="http://schemas.microsoft.com/office/powerpoint/2010/main" val="664028129"/>
+      </p:ext>
+    </p:extLst>
+  </p:cSld>
+  <p:clrMapOvr>
+    <a:masterClrMapping/>
+  </p:clrMapOvr>
+  <p:transition spd="slow">
+    <p:push dir="u"/>
+  </p:transition>
 </p:sld>
 </file>
 
@@ -3941,30 +5088,201 @@
               <a:t>.</a:t>
             </a:r>
           </a:p>
-          <a:p>
-            <a:r>
-              <a:rPr lang="de-DE" dirty="0" err="1"/>
-              <a:t>It’s</a:t>
-            </a:r>
-            <a:r>
-              <a:rPr lang="de-DE" dirty="0"/>
-              <a:t> </a:t>
-            </a:r>
-            <a:r>
-              <a:rPr lang="de-DE" dirty="0" err="1"/>
-              <a:t>called</a:t>
-            </a:r>
-            <a:r>
-              <a:rPr lang="de-DE" dirty="0"/>
-              <a:t> </a:t>
-            </a:r>
-            <a:r>
-              <a:rPr lang="de-DE" dirty="0" err="1"/>
-              <a:t>intercourse</a:t>
-            </a:r>
-            <a:r>
-              <a:rPr lang="de-DE" dirty="0"/>
-              <a:t>.</a:t>
+        </p:txBody>
+      </p:sp>
+      <p:sp>
+        <p:nvSpPr>
+          <p:cNvPr id="3" name="Textplatzhalter 1">
+            <a:extLst>
+              <a:ext uri="{FF2B5EF4-FFF2-40B4-BE49-F238E27FC236}">
+                <a16:creationId xmlns:a16="http://schemas.microsoft.com/office/drawing/2014/main" id="{5F3E02B7-519E-45DC-9242-5D0A06A958D2}"/>
+              </a:ext>
+            </a:extLst>
+          </p:cNvPr>
+          <p:cNvSpPr txBox="1">
+            <a:spLocks/>
+          </p:cNvSpPr>
+          <p:nvPr/>
+        </p:nvSpPr>
+        <p:spPr>
+          <a:xfrm>
+            <a:off x="236537" y="2512786"/>
+            <a:ext cx="8669337" cy="669925"/>
+          </a:xfrm>
+          <a:prstGeom prst="rect">
+            <a:avLst/>
+          </a:prstGeom>
+        </p:spPr>
+        <p:txBody>
+          <a:bodyPr/>
+          <a:lstStyle>
+            <a:lvl1pPr marL="0" indent="0" algn="ctr" defTabSz="685800" rtl="0" eaLnBrk="1" latinLnBrk="0" hangingPunct="1">
+              <a:lnSpc>
+                <a:spcPct val="90000"/>
+              </a:lnSpc>
+              <a:spcBef>
+                <a:spcPts val="750"/>
+              </a:spcBef>
+              <a:buFont typeface="Arial" panose="020B0604020202020204" pitchFamily="34" charset="0"/>
+              <a:buNone/>
+              <a:defRPr lang="de-DE" sz="3400" b="1" kern="1200" dirty="0" smtClean="0">
+                <a:solidFill>
+                  <a:schemeClr val="bg2"/>
+                </a:solidFill>
+                <a:latin typeface="Neurial Grotesk" panose="00000500000000000000" pitchFamily="50" charset="0"/>
+                <a:ea typeface="+mj-ea"/>
+                <a:cs typeface="+mj-cs"/>
+              </a:defRPr>
+            </a:lvl1pPr>
+            <a:lvl2pPr marL="514350" indent="-171450" algn="l" defTabSz="685800" rtl="0" eaLnBrk="1" latinLnBrk="0" hangingPunct="1">
+              <a:lnSpc>
+                <a:spcPct val="90000"/>
+              </a:lnSpc>
+              <a:spcBef>
+                <a:spcPts val="375"/>
+              </a:spcBef>
+              <a:buFont typeface="Arial" panose="020B0604020202020204" pitchFamily="34" charset="0"/>
+              <a:buChar char="•"/>
+              <a:defRPr sz="1800" kern="1200">
+                <a:solidFill>
+                  <a:schemeClr val="tx1"/>
+                </a:solidFill>
+                <a:latin typeface="+mn-lt"/>
+                <a:ea typeface="+mn-ea"/>
+                <a:cs typeface="+mn-cs"/>
+              </a:defRPr>
+            </a:lvl2pPr>
+            <a:lvl3pPr marL="857250" indent="-171450" algn="l" defTabSz="685800" rtl="0" eaLnBrk="1" latinLnBrk="0" hangingPunct="1">
+              <a:lnSpc>
+                <a:spcPct val="90000"/>
+              </a:lnSpc>
+              <a:spcBef>
+                <a:spcPts val="375"/>
+              </a:spcBef>
+              <a:buFont typeface="Arial" panose="020B0604020202020204" pitchFamily="34" charset="0"/>
+              <a:buChar char="•"/>
+              <a:defRPr sz="1500" kern="1200">
+                <a:solidFill>
+                  <a:schemeClr val="tx1"/>
+                </a:solidFill>
+                <a:latin typeface="+mn-lt"/>
+                <a:ea typeface="+mn-ea"/>
+                <a:cs typeface="+mn-cs"/>
+              </a:defRPr>
+            </a:lvl3pPr>
+            <a:lvl4pPr marL="1200150" indent="-171450" algn="l" defTabSz="685800" rtl="0" eaLnBrk="1" latinLnBrk="0" hangingPunct="1">
+              <a:lnSpc>
+                <a:spcPct val="90000"/>
+              </a:lnSpc>
+              <a:spcBef>
+                <a:spcPts val="375"/>
+              </a:spcBef>
+              <a:buFont typeface="Arial" panose="020B0604020202020204" pitchFamily="34" charset="0"/>
+              <a:buChar char="•"/>
+              <a:defRPr sz="1350" kern="1200">
+                <a:solidFill>
+                  <a:schemeClr val="tx1"/>
+                </a:solidFill>
+                <a:latin typeface="+mn-lt"/>
+                <a:ea typeface="+mn-ea"/>
+                <a:cs typeface="+mn-cs"/>
+              </a:defRPr>
+            </a:lvl4pPr>
+            <a:lvl5pPr marL="1543050" indent="-171450" algn="l" defTabSz="685800" rtl="0" eaLnBrk="1" latinLnBrk="0" hangingPunct="1">
+              <a:lnSpc>
+                <a:spcPct val="90000"/>
+              </a:lnSpc>
+              <a:spcBef>
+                <a:spcPts val="375"/>
+              </a:spcBef>
+              <a:buFont typeface="Arial" panose="020B0604020202020204" pitchFamily="34" charset="0"/>
+              <a:buChar char="•"/>
+              <a:defRPr sz="1350" kern="1200">
+                <a:solidFill>
+                  <a:schemeClr val="tx1"/>
+                </a:solidFill>
+                <a:latin typeface="+mn-lt"/>
+                <a:ea typeface="+mn-ea"/>
+                <a:cs typeface="+mn-cs"/>
+              </a:defRPr>
+            </a:lvl5pPr>
+            <a:lvl6pPr marL="1885950" indent="-171450" algn="l" defTabSz="685800" rtl="0" eaLnBrk="1" latinLnBrk="0" hangingPunct="1">
+              <a:lnSpc>
+                <a:spcPct val="90000"/>
+              </a:lnSpc>
+              <a:spcBef>
+                <a:spcPts val="375"/>
+              </a:spcBef>
+              <a:buFont typeface="Arial" panose="020B0604020202020204" pitchFamily="34" charset="0"/>
+              <a:buChar char="•"/>
+              <a:defRPr sz="1350" kern="1200">
+                <a:solidFill>
+                  <a:schemeClr val="tx1"/>
+                </a:solidFill>
+                <a:latin typeface="+mn-lt"/>
+                <a:ea typeface="+mn-ea"/>
+                <a:cs typeface="+mn-cs"/>
+              </a:defRPr>
+            </a:lvl6pPr>
+            <a:lvl7pPr marL="2228850" indent="-171450" algn="l" defTabSz="685800" rtl="0" eaLnBrk="1" latinLnBrk="0" hangingPunct="1">
+              <a:lnSpc>
+                <a:spcPct val="90000"/>
+              </a:lnSpc>
+              <a:spcBef>
+                <a:spcPts val="375"/>
+              </a:spcBef>
+              <a:buFont typeface="Arial" panose="020B0604020202020204" pitchFamily="34" charset="0"/>
+              <a:buChar char="•"/>
+              <a:defRPr sz="1350" kern="1200">
+                <a:solidFill>
+                  <a:schemeClr val="tx1"/>
+                </a:solidFill>
+                <a:latin typeface="+mn-lt"/>
+                <a:ea typeface="+mn-ea"/>
+                <a:cs typeface="+mn-cs"/>
+              </a:defRPr>
+            </a:lvl7pPr>
+            <a:lvl8pPr marL="2571750" indent="-171450" algn="l" defTabSz="685800" rtl="0" eaLnBrk="1" latinLnBrk="0" hangingPunct="1">
+              <a:lnSpc>
+                <a:spcPct val="90000"/>
+              </a:lnSpc>
+              <a:spcBef>
+                <a:spcPts val="375"/>
+              </a:spcBef>
+              <a:buFont typeface="Arial" panose="020B0604020202020204" pitchFamily="34" charset="0"/>
+              <a:buChar char="•"/>
+              <a:defRPr sz="1350" kern="1200">
+                <a:solidFill>
+                  <a:schemeClr val="tx1"/>
+                </a:solidFill>
+                <a:latin typeface="+mn-lt"/>
+                <a:ea typeface="+mn-ea"/>
+                <a:cs typeface="+mn-cs"/>
+              </a:defRPr>
+            </a:lvl8pPr>
+            <a:lvl9pPr marL="2914650" indent="-171450" algn="l" defTabSz="685800" rtl="0" eaLnBrk="1" latinLnBrk="0" hangingPunct="1">
+              <a:lnSpc>
+                <a:spcPct val="90000"/>
+              </a:lnSpc>
+              <a:spcBef>
+                <a:spcPts val="375"/>
+              </a:spcBef>
+              <a:buFont typeface="Arial" panose="020B0604020202020204" pitchFamily="34" charset="0"/>
+              <a:buChar char="•"/>
+              <a:defRPr sz="1350" kern="1200">
+                <a:solidFill>
+                  <a:schemeClr val="tx1"/>
+                </a:solidFill>
+                <a:latin typeface="+mn-lt"/>
+                <a:ea typeface="+mn-ea"/>
+                <a:cs typeface="+mn-cs"/>
+              </a:defRPr>
+            </a:lvl9pPr>
+          </a:lstStyle>
+          <a:p>
+            <a:r>
+              <a:rPr lang="en-US" dirty="0"/>
+              <a:t>It’s called intercourse.</a:t>
             </a:r>
           </a:p>
         </p:txBody>
@@ -3979,12 +5297,16 @@
   <p:clrMapOvr>
     <a:masterClrMapping/>
   </p:clrMapOvr>
-  <mc:AlternateContent xmlns:mc="http://schemas.openxmlformats.org/markup-compatibility/2006">
-    <mc:Choice xmlns:p14="http://schemas.microsoft.com/office/powerpoint/2010/main" Requires="p14">
-      <p:transition p14:dur="0"/>
+  <mc:AlternateContent xmlns:mc="http://schemas.openxmlformats.org/markup-compatibility/2006" xmlns:p14="http://schemas.microsoft.com/office/powerpoint/2010/main">
+    <mc:Choice Requires="p14">
+      <p:transition spd="med" p14:dur="700">
+        <p:fade/>
+      </p:transition>
     </mc:Choice>
-    <mc:Fallback>
-      <p:transition/>
+    <mc:Fallback xmlns="">
+      <p:transition spd="med">
+        <p:fade/>
+      </p:transition>
     </mc:Fallback>
   </mc:AlternateContent>
   <p:timing>
@@ -3999,6 +5321,9 @@
                     <p:cTn id="3" fill="hold">
                       <p:stCondLst>
                         <p:cond delay="indefinite"/>
+                        <p:cond evt="onBegin" delay="0">
+                          <p:tn val="2"/>
+                        </p:cond>
                       </p:stCondLst>
                       <p:childTnLst>
                         <p:par>
@@ -4008,7 +5333,7 @@
                             </p:stCondLst>
                             <p:childTnLst>
                               <p:par>
-                                <p:cTn id="5" presetID="10" presetClass="entr" presetSubtype="0" fill="hold" grpId="0" nodeType="clickEffect">
+                                <p:cTn id="5" presetID="10" presetClass="entr" presetSubtype="0" fill="hold" grpId="0" nodeType="withEffect">
                                   <p:stCondLst>
                                     <p:cond delay="0"/>
                                   </p:stCondLst>
@@ -4082,9 +5407,9 @@
                                           </p:stCondLst>
                                         </p:cTn>
                                         <p:tgtEl>
-                                          <p:spTgt spid="2">
+                                          <p:spTgt spid="3">
                                             <p:txEl>
-                                              <p:pRg st="1" end="1"/>
+                                              <p:pRg st="0" end="0"/>
                                             </p:txEl>
                                           </p:spTgt>
                                         </p:tgtEl>
@@ -4100,172 +5425,7 @@
                                       <p:cBhvr>
                                         <p:cTn id="12" dur="500"/>
                                         <p:tgtEl>
-                                          <p:spTgt spid="2">
-                                            <p:txEl>
-                                              <p:pRg st="1" end="1"/>
-                                            </p:txEl>
-                                          </p:spTgt>
-                                        </p:tgtEl>
-                                      </p:cBhvr>
-                                    </p:animEffect>
-                                  </p:childTnLst>
-                                </p:cTn>
-                              </p:par>
-                            </p:childTnLst>
-                          </p:cTn>
-                        </p:par>
-                      </p:childTnLst>
-                    </p:cTn>
-                  </p:par>
-                </p:childTnLst>
-              </p:cTn>
-              <p:prevCondLst>
-                <p:cond evt="onPrev" delay="0">
-                  <p:tgtEl>
-                    <p:sldTgt/>
-                  </p:tgtEl>
-                </p:cond>
-              </p:prevCondLst>
-              <p:nextCondLst>
-                <p:cond evt="onNext" delay="0">
-                  <p:tgtEl>
-                    <p:sldTgt/>
-                  </p:tgtEl>
-                </p:cond>
-              </p:nextCondLst>
-            </p:seq>
-          </p:childTnLst>
-        </p:cTn>
-      </p:par>
-    </p:tnLst>
-    <p:bldLst>
-      <p:bldP spid="2" grpId="0" build="p"/>
-    </p:bldLst>
-  </p:timing>
-</p:sld>
-</file>
-
-<file path=ppt/slides/slide3.xml><?xml version="1.0" encoding="utf-8"?>
-<p:sld xmlns:a="http://schemas.openxmlformats.org/drawingml/2006/main" xmlns:r="http://schemas.openxmlformats.org/officeDocument/2006/relationships" xmlns:p="http://schemas.openxmlformats.org/presentationml/2006/main">
-  <p:cSld>
-    <p:spTree>
-      <p:nvGrpSpPr>
-        <p:cNvPr id="1" name=""/>
-        <p:cNvGrpSpPr/>
-        <p:nvPr/>
-      </p:nvGrpSpPr>
-      <p:grpSpPr>
-        <a:xfrm>
-          <a:off x="0" y="0"/>
-          <a:ext cx="0" cy="0"/>
-          <a:chOff x="0" y="0"/>
-          <a:chExt cx="0" cy="0"/>
-        </a:xfrm>
-      </p:grpSpPr>
-      <p:sp>
-        <p:nvSpPr>
-          <p:cNvPr id="2" name="Textplatzhalter 1">
-            <a:extLst>
-              <a:ext uri="{FF2B5EF4-FFF2-40B4-BE49-F238E27FC236}">
-                <a16:creationId xmlns:a16="http://schemas.microsoft.com/office/drawing/2014/main" id="{50B2B420-0B9A-47DA-8BA4-24F62A745678}"/>
-              </a:ext>
-            </a:extLst>
-          </p:cNvPr>
-          <p:cNvSpPr>
-            <a:spLocks noGrp="1"/>
-          </p:cNvSpPr>
-          <p:nvPr>
-            <p:ph type="body" sz="quarter" idx="10"/>
-          </p:nvPr>
-        </p:nvSpPr>
-        <p:spPr/>
-        <p:txBody>
-          <a:bodyPr/>
-          <a:lstStyle/>
-          <a:p>
-            <a:r>
-              <a:rPr lang="de-DE" dirty="0"/>
-              <a:t>// Michelangelo </a:t>
-            </a:r>
-            <a:r>
-              <a:rPr lang="de-DE" dirty="0" err="1"/>
-              <a:t>shot</a:t>
-            </a:r>
-            <a:endParaRPr lang="de-DE" dirty="0"/>
-          </a:p>
-        </p:txBody>
-      </p:sp>
-    </p:spTree>
-    <p:extLst>
-      <p:ext uri="{BB962C8B-B14F-4D97-AF65-F5344CB8AC3E}">
-        <p14:creationId xmlns:p14="http://schemas.microsoft.com/office/powerpoint/2010/main" val="1607141682"/>
-      </p:ext>
-    </p:extLst>
-  </p:cSld>
-  <p:clrMapOvr>
-    <a:masterClrMapping/>
-  </p:clrMapOvr>
-  <mc:AlternateContent xmlns:mc="http://schemas.openxmlformats.org/markup-compatibility/2006">
-    <mc:Choice xmlns:p14="http://schemas.microsoft.com/office/powerpoint/2010/main" Requires="p14">
-      <p:transition p14:dur="0"/>
-    </mc:Choice>
-    <mc:Fallback>
-      <p:transition/>
-    </mc:Fallback>
-  </mc:AlternateContent>
-  <p:timing>
-    <p:tnLst>
-      <p:par>
-        <p:cTn id="1" dur="indefinite" restart="never" nodeType="tmRoot">
-          <p:childTnLst>
-            <p:seq concurrent="1" nextAc="seek">
-              <p:cTn id="2" dur="indefinite" nodeType="mainSeq">
-                <p:childTnLst>
-                  <p:par>
-                    <p:cTn id="3" fill="hold">
-                      <p:stCondLst>
-                        <p:cond delay="indefinite"/>
-                      </p:stCondLst>
-                      <p:childTnLst>
-                        <p:par>
-                          <p:cTn id="4" fill="hold">
-                            <p:stCondLst>
-                              <p:cond delay="0"/>
-                            </p:stCondLst>
-                            <p:childTnLst>
-                              <p:par>
-                                <p:cTn id="5" presetID="10" presetClass="entr" presetSubtype="0" fill="hold" grpId="0" nodeType="clickEffect">
-                                  <p:stCondLst>
-                                    <p:cond delay="0"/>
-                                  </p:stCondLst>
-                                  <p:childTnLst>
-                                    <p:set>
-                                      <p:cBhvr>
-                                        <p:cTn id="6" dur="1" fill="hold">
-                                          <p:stCondLst>
-                                            <p:cond delay="0"/>
-                                          </p:stCondLst>
-                                        </p:cTn>
-                                        <p:tgtEl>
-                                          <p:spTgt spid="2">
-                                            <p:txEl>
-                                              <p:pRg st="0" end="0"/>
-                                            </p:txEl>
-                                          </p:spTgt>
-                                        </p:tgtEl>
-                                        <p:attrNameLst>
-                                          <p:attrName>style.visibility</p:attrName>
-                                        </p:attrNameLst>
-                                      </p:cBhvr>
-                                      <p:to>
-                                        <p:strVal val="visible"/>
-                                      </p:to>
-                                    </p:set>
-                                    <p:animEffect transition="in" filter="fade">
-                                      <p:cBhvr>
-                                        <p:cTn id="7" dur="500"/>
-                                        <p:tgtEl>
-                                          <p:spTgt spid="2">
+                                          <p:spTgt spid="3">
                                             <p:txEl>
                                               <p:pRg st="0" end="0"/>
                                             </p:txEl>
@@ -4305,8 +5465,84 @@
     </p:tnLst>
     <p:bldLst>
       <p:bldP spid="2" grpId="0" build="p"/>
+      <p:bldP spid="3" grpId="0" build="p"/>
     </p:bldLst>
   </p:timing>
+</p:sld>
+</file>
+
+<file path=ppt/slides/slide3.xml><?xml version="1.0" encoding="utf-8"?>
+<p:sld xmlns:a="http://schemas.openxmlformats.org/drawingml/2006/main" xmlns:r="http://schemas.openxmlformats.org/officeDocument/2006/relationships" xmlns:p="http://schemas.openxmlformats.org/presentationml/2006/main">
+  <p:cSld>
+    <p:spTree>
+      <p:nvGrpSpPr>
+        <p:cNvPr id="1" name=""/>
+        <p:cNvGrpSpPr/>
+        <p:nvPr/>
+      </p:nvGrpSpPr>
+      <p:grpSpPr>
+        <a:xfrm>
+          <a:off x="0" y="0"/>
+          <a:ext cx="0" cy="0"/>
+          <a:chOff x="0" y="0"/>
+          <a:chExt cx="0" cy="0"/>
+        </a:xfrm>
+      </p:grpSpPr>
+      <p:sp>
+        <p:nvSpPr>
+          <p:cNvPr id="2" name="Textplatzhalter 1">
+            <a:extLst>
+              <a:ext uri="{FF2B5EF4-FFF2-40B4-BE49-F238E27FC236}">
+                <a16:creationId xmlns:a16="http://schemas.microsoft.com/office/drawing/2014/main" id="{50B2B420-0B9A-47DA-8BA4-24F62A745678}"/>
+              </a:ext>
+            </a:extLst>
+          </p:cNvPr>
+          <p:cNvSpPr>
+            <a:spLocks noGrp="1"/>
+          </p:cNvSpPr>
+          <p:nvPr>
+            <p:ph type="body" sz="quarter" idx="10"/>
+          </p:nvPr>
+        </p:nvSpPr>
+        <p:spPr/>
+        <p:txBody>
+          <a:bodyPr/>
+          <a:lstStyle/>
+          <a:p>
+            <a:r>
+              <a:rPr lang="de-DE" dirty="0"/>
+              <a:t>// Michelangelo </a:t>
+            </a:r>
+            <a:r>
+              <a:rPr lang="de-DE" dirty="0" err="1"/>
+              <a:t>shot</a:t>
+            </a:r>
+            <a:endParaRPr lang="de-DE" dirty="0"/>
+          </a:p>
+        </p:txBody>
+      </p:sp>
+    </p:spTree>
+    <p:extLst>
+      <p:ext uri="{BB962C8B-B14F-4D97-AF65-F5344CB8AC3E}">
+        <p14:creationId xmlns:p14="http://schemas.microsoft.com/office/powerpoint/2010/main" val="1607141682"/>
+      </p:ext>
+    </p:extLst>
+  </p:cSld>
+  <p:clrMapOvr>
+    <a:masterClrMapping/>
+  </p:clrMapOvr>
+  <mc:AlternateContent xmlns:mc="http://schemas.openxmlformats.org/markup-compatibility/2006" xmlns:p14="http://schemas.microsoft.com/office/powerpoint/2010/main">
+    <mc:Choice Requires="p14">
+      <p:transition spd="med" p14:dur="700">
+        <p:fade/>
+      </p:transition>
+    </mc:Choice>
+    <mc:Fallback xmlns="">
+      <p:transition spd="med">
+        <p:fade/>
+      </p:transition>
+    </mc:Fallback>
+  </mc:AlternateContent>
 </p:sld>
 </file>
 
@@ -4349,8 +5585,74 @@
           <a:lstStyle/>
           <a:p>
             <a:r>
+              <a:rPr lang="de-DE" dirty="0" err="1"/>
+              <a:t>From</a:t>
+            </a:r>
+            <a:r>
               <a:rPr lang="de-DE" dirty="0"/>
-              <a:t>// Facts &amp; USP</a:t>
+              <a:t> bare </a:t>
+            </a:r>
+            <a:r>
+              <a:rPr lang="de-DE" dirty="0" err="1"/>
+              <a:t>metal</a:t>
+            </a:r>
+            <a:r>
+              <a:rPr lang="de-DE" dirty="0"/>
+              <a:t> </a:t>
+            </a:r>
+            <a:r>
+              <a:rPr lang="de-DE" dirty="0" err="1"/>
+              <a:t>to</a:t>
+            </a:r>
+            <a:r>
+              <a:rPr lang="de-DE" dirty="0"/>
+              <a:t> </a:t>
+            </a:r>
+            <a:r>
+              <a:rPr lang="de-DE" dirty="0" err="1"/>
+              <a:t>the</a:t>
+            </a:r>
+            <a:r>
+              <a:rPr lang="de-DE" dirty="0"/>
+              <a:t> </a:t>
+            </a:r>
+            <a:r>
+              <a:rPr lang="de-DE" dirty="0" err="1"/>
+              <a:t>cloud</a:t>
+            </a:r>
+            <a:r>
+              <a:rPr lang="de-DE" dirty="0"/>
+              <a:t>.</a:t>
+            </a:r>
+          </a:p>
+          <a:p>
+            <a:r>
+              <a:rPr lang="de-DE" dirty="0"/>
+              <a:t>A </a:t>
+            </a:r>
+            <a:r>
+              <a:rPr lang="de-DE" dirty="0" err="1"/>
+              <a:t>full</a:t>
+            </a:r>
+            <a:r>
+              <a:rPr lang="de-DE" dirty="0"/>
+              <a:t> </a:t>
+            </a:r>
+            <a:r>
+              <a:rPr lang="de-DE" dirty="0" err="1"/>
+              <a:t>stack</a:t>
+            </a:r>
+            <a:r>
+              <a:rPr lang="de-DE" dirty="0"/>
+              <a:t> high end design </a:t>
+            </a:r>
+            <a:r>
+              <a:rPr lang="de-DE" dirty="0" err="1"/>
+              <a:t>solution</a:t>
+            </a:r>
+            <a:r>
+              <a:rPr lang="de-DE" dirty="0"/>
+              <a:t>.</a:t>
             </a:r>
           </a:p>
         </p:txBody>
@@ -4365,12 +5667,16 @@
   <p:clrMapOvr>
     <a:masterClrMapping/>
   </p:clrMapOvr>
-  <mc:AlternateContent xmlns:mc="http://schemas.openxmlformats.org/markup-compatibility/2006">
-    <mc:Choice xmlns:p14="http://schemas.microsoft.com/office/powerpoint/2010/main" Requires="p14">
-      <p:transition p14:dur="0"/>
+  <mc:AlternateContent xmlns:mc="http://schemas.openxmlformats.org/markup-compatibility/2006" xmlns:p14="http://schemas.microsoft.com/office/powerpoint/2010/main">
+    <mc:Choice Requires="p14">
+      <p:transition spd="med" p14:dur="700">
+        <p:fade/>
+      </p:transition>
     </mc:Choice>
-    <mc:Fallback>
-      <p:transition/>
+    <mc:Fallback xmlns="">
+      <p:transition spd="med">
+        <p:fade/>
+      </p:transition>
     </mc:Fallback>
   </mc:AlternateContent>
   <p:timing>
@@ -4385,6 +5691,9 @@
                     <p:cTn id="3" fill="hold">
                       <p:stCondLst>
                         <p:cond delay="indefinite"/>
+                        <p:cond evt="onBegin" delay="0">
+                          <p:tn val="2"/>
+                        </p:cond>
                       </p:stCondLst>
                       <p:childTnLst>
                         <p:par>
@@ -4394,7 +5703,7 @@
                             </p:stCondLst>
                             <p:childTnLst>
                               <p:par>
-                                <p:cTn id="5" presetID="10" presetClass="entr" presetSubtype="0" fill="hold" grpId="0" nodeType="clickEffect">
+                                <p:cTn id="5" presetID="10" presetClass="entr" presetSubtype="0" fill="hold" grpId="0" nodeType="withEffect">
                                   <p:stCondLst>
                                     <p:cond delay="0"/>
                                   </p:stCondLst>
@@ -4407,11 +5716,7 @@
                                           </p:stCondLst>
                                         </p:cTn>
                                         <p:tgtEl>
-                                          <p:spTgt spid="2">
-                                            <p:txEl>
-                                              <p:pRg st="0" end="0"/>
-                                            </p:txEl>
-                                          </p:spTgt>
+                                          <p:spTgt spid="2"/>
                                         </p:tgtEl>
                                         <p:attrNameLst>
                                           <p:attrName>style.visibility</p:attrName>
@@ -4425,11 +5730,7 @@
                                       <p:cBhvr>
                                         <p:cTn id="7" dur="500"/>
                                         <p:tgtEl>
-                                          <p:spTgt spid="2">
-                                            <p:txEl>
-                                              <p:pRg st="0" end="0"/>
-                                            </p:txEl>
-                                          </p:spTgt>
+                                          <p:spTgt spid="2"/>
                                         </p:tgtEl>
                                       </p:cBhvr>
                                     </p:animEffect>
@@ -4464,7 +5765,7 @@
       </p:par>
     </p:tnLst>
     <p:bldLst>
-      <p:bldP spid="2" grpId="0" build="p"/>
+      <p:bldP spid="2" grpId="0"/>
     </p:bldLst>
   </p:timing>
 </p:sld>
@@ -4487,6 +5788,84 @@
           <a:chExt cx="0" cy="0"/>
         </a:xfrm>
       </p:grpSpPr>
+      <p:pic>
+        <p:nvPicPr>
+          <p:cNvPr id="10" name="Grafik 9">
+            <a:extLst>
+              <a:ext uri="{FF2B5EF4-FFF2-40B4-BE49-F238E27FC236}">
+                <a16:creationId xmlns:a16="http://schemas.microsoft.com/office/drawing/2014/main" id="{692BB116-A538-4666-8CBD-1673177D0EA7}"/>
+              </a:ext>
+            </a:extLst>
+          </p:cNvPr>
+          <p:cNvPicPr>
+            <a:picLocks noChangeAspect="1"/>
+          </p:cNvPicPr>
+          <p:nvPr/>
+        </p:nvPicPr>
+        <p:blipFill>
+          <a:blip r:embed="rId3">
+            <a:extLst>
+              <a:ext uri="{28A0092B-C50C-407E-A947-70E740481C1C}">
+                <a14:useLocalDpi xmlns:a14="http://schemas.microsoft.com/office/drawing/2010/main" val="0"/>
+              </a:ext>
+            </a:extLst>
+          </a:blip>
+          <a:stretch>
+            <a:fillRect/>
+          </a:stretch>
+        </p:blipFill>
+        <p:spPr>
+          <a:xfrm>
+            <a:off x="1459706" y="357188"/>
+            <a:ext cx="6421437" cy="4078480"/>
+          </a:xfrm>
+          <a:prstGeom prst="rect">
+            <a:avLst/>
+          </a:prstGeom>
+        </p:spPr>
+      </p:pic>
+    </p:spTree>
+    <p:extLst>
+      <p:ext uri="{BB962C8B-B14F-4D97-AF65-F5344CB8AC3E}">
+        <p14:creationId xmlns:p14="http://schemas.microsoft.com/office/powerpoint/2010/main" val="2114034811"/>
+      </p:ext>
+    </p:extLst>
+  </p:cSld>
+  <p:clrMapOvr>
+    <a:masterClrMapping/>
+  </p:clrMapOvr>
+  <mc:AlternateContent xmlns:mc="http://schemas.openxmlformats.org/markup-compatibility/2006" xmlns:p14="http://schemas.microsoft.com/office/powerpoint/2010/main">
+    <mc:Choice Requires="p14">
+      <p:transition spd="med" p14:dur="700">
+        <p:fade/>
+      </p:transition>
+    </mc:Choice>
+    <mc:Fallback xmlns="">
+      <p:transition spd="med">
+        <p:fade/>
+      </p:transition>
+    </mc:Fallback>
+  </mc:AlternateContent>
+</p:sld>
+</file>
+
+<file path=ppt/slides/slide6.xml><?xml version="1.0" encoding="utf-8"?>
+<p:sld xmlns:a="http://schemas.openxmlformats.org/drawingml/2006/main" xmlns:r="http://schemas.openxmlformats.org/officeDocument/2006/relationships" xmlns:p="http://schemas.openxmlformats.org/presentationml/2006/main">
+  <p:cSld>
+    <p:spTree>
+      <p:nvGrpSpPr>
+        <p:cNvPr id="1" name=""/>
+        <p:cNvGrpSpPr/>
+        <p:nvPr/>
+      </p:nvGrpSpPr>
+      <p:grpSpPr>
+        <a:xfrm>
+          <a:off x="0" y="0"/>
+          <a:ext cx="0" cy="0"/>
+          <a:chOff x="0" y="0"/>
+          <a:chExt cx="0" cy="0"/>
+        </a:xfrm>
+      </p:grpSpPr>
       <p:sp>
         <p:nvSpPr>
           <p:cNvPr id="2" name="Textplatzhalter 1">
@@ -4509,8 +5888,54 @@
           <a:lstStyle/>
           <a:p>
             <a:r>
+              <a:rPr lang="de-DE" dirty="0" err="1"/>
+              <a:t>Witness</a:t>
+            </a:r>
+            <a:r>
               <a:rPr lang="de-DE" dirty="0"/>
-              <a:t>// Flowchart</a:t>
+              <a:t> </a:t>
+            </a:r>
+            <a:r>
+              <a:rPr lang="de-DE" dirty="0" err="1"/>
+              <a:t>the</a:t>
+            </a:r>
+            <a:r>
+              <a:rPr lang="de-DE" dirty="0"/>
+              <a:t> </a:t>
+            </a:r>
+            <a:r>
+              <a:rPr lang="de-DE" dirty="0" err="1"/>
+              <a:t>first</a:t>
+            </a:r>
+            <a:r>
+              <a:rPr lang="de-DE" dirty="0"/>
+              <a:t> </a:t>
+            </a:r>
+            <a:r>
+              <a:rPr lang="de-DE" dirty="0" err="1"/>
+              <a:t>public</a:t>
+            </a:r>
+            <a:r>
+              <a:rPr lang="de-DE" dirty="0"/>
+              <a:t> </a:t>
+            </a:r>
+            <a:r>
+              <a:rPr lang="de-DE" dirty="0" err="1"/>
+              <a:t>intercourse</a:t>
+            </a:r>
+            <a:r>
+              <a:rPr lang="de-DE" dirty="0"/>
+              <a:t>:</a:t>
+            </a:r>
+          </a:p>
+          <a:p>
+            <a:r>
+              <a:rPr lang="de-DE" dirty="0">
+                <a:solidFill>
+                  <a:srgbClr val="E55050"/>
+                </a:solidFill>
+              </a:rPr>
+              <a:t>www.rhizomaticmachines.com</a:t>
             </a:r>
           </a:p>
         </p:txBody>
@@ -4518,19 +5943,23 @@
     </p:spTree>
     <p:extLst>
       <p:ext uri="{BB962C8B-B14F-4D97-AF65-F5344CB8AC3E}">
-        <p14:creationId xmlns:p14="http://schemas.microsoft.com/office/powerpoint/2010/main" val="2114034811"/>
+        <p14:creationId xmlns:p14="http://schemas.microsoft.com/office/powerpoint/2010/main" val="2889680441"/>
       </p:ext>
     </p:extLst>
   </p:cSld>
   <p:clrMapOvr>
     <a:masterClrMapping/>
   </p:clrMapOvr>
-  <mc:AlternateContent xmlns:mc="http://schemas.openxmlformats.org/markup-compatibility/2006">
-    <mc:Choice xmlns:p14="http://schemas.microsoft.com/office/powerpoint/2010/main" Requires="p14">
-      <p:transition p14:dur="0"/>
+  <mc:AlternateContent xmlns:mc="http://schemas.openxmlformats.org/markup-compatibility/2006" xmlns:p14="http://schemas.microsoft.com/office/powerpoint/2010/main">
+    <mc:Choice Requires="p14">
+      <p:transition spd="med" p14:dur="700">
+        <p:fade/>
+      </p:transition>
     </mc:Choice>
-    <mc:Fallback>
-      <p:transition/>
+    <mc:Fallback xmlns="">
+      <p:transition spd="med">
+        <p:fade/>
+      </p:transition>
     </mc:Fallback>
   </mc:AlternateContent>
   <p:timing>
@@ -4545,6 +5974,9 @@
                     <p:cTn id="3" fill="hold">
                       <p:stCondLst>
                         <p:cond delay="indefinite"/>
+                        <p:cond evt="onBegin" delay="0">
+                          <p:tn val="2"/>
+                        </p:cond>
                       </p:stCondLst>
                       <p:childTnLst>
                         <p:par>
@@ -4554,7 +5986,7 @@
                             </p:stCondLst>
                             <p:childTnLst>
                               <p:par>
-                                <p:cTn id="5" presetID="10" presetClass="entr" presetSubtype="0" fill="hold" grpId="0" nodeType="clickEffect">
+                                <p:cTn id="5" presetID="10" presetClass="entr" presetSubtype="0" fill="hold" grpId="0" nodeType="withEffect">
                                   <p:stCondLst>
                                     <p:cond delay="0"/>
                                   </p:stCondLst>
@@ -4567,11 +5999,7 @@
                                           </p:stCondLst>
                                         </p:cTn>
                                         <p:tgtEl>
-                                          <p:spTgt spid="2">
-                                            <p:txEl>
-                                              <p:pRg st="0" end="0"/>
-                                            </p:txEl>
-                                          </p:spTgt>
+                                          <p:spTgt spid="2"/>
                                         </p:tgtEl>
                                         <p:attrNameLst>
                                           <p:attrName>style.visibility</p:attrName>
@@ -4585,11 +6013,7 @@
                                       <p:cBhvr>
                                         <p:cTn id="7" dur="500"/>
                                         <p:tgtEl>
-                                          <p:spTgt spid="2">
-                                            <p:txEl>
-                                              <p:pRg st="0" end="0"/>
-                                            </p:txEl>
-                                          </p:spTgt>
+                                          <p:spTgt spid="2"/>
                                         </p:tgtEl>
                                       </p:cBhvr>
                                     </p:animEffect>
@@ -4624,13 +6048,13 @@
       </p:par>
     </p:tnLst>
     <p:bldLst>
-      <p:bldP spid="2" grpId="0" build="p"/>
+      <p:bldP spid="2" grpId="0"/>
     </p:bldLst>
   </p:timing>
 </p:sld>
 </file>
 
-<file path=ppt/slides/slide6.xml><?xml version="1.0" encoding="utf-8"?>
+<file path=ppt/slides/slide7.xml><?xml version="1.0" encoding="utf-8"?>
 <p:sld xmlns:a="http://schemas.openxmlformats.org/drawingml/2006/main" xmlns:r="http://schemas.openxmlformats.org/officeDocument/2006/relationships" xmlns:p="http://schemas.openxmlformats.org/presentationml/2006/main">
   <p:cSld>
     <p:spTree>
@@ -4649,10 +6073,10 @@
       </p:grpSpPr>
       <p:sp>
         <p:nvSpPr>
-          <p:cNvPr id="2" name="Textplatzhalter 1">
+          <p:cNvPr id="3" name="Textplatzhalter 2">
             <a:extLst>
               <a:ext uri="{FF2B5EF4-FFF2-40B4-BE49-F238E27FC236}">
-                <a16:creationId xmlns:a16="http://schemas.microsoft.com/office/drawing/2014/main" id="{50B2B420-0B9A-47DA-8BA4-24F62A745678}"/>
+                <a16:creationId xmlns:a16="http://schemas.microsoft.com/office/drawing/2014/main" id="{1CF67596-0D3A-4067-9017-F7E99B851988}"/>
               </a:ext>
             </a:extLst>
           </p:cNvPr>
@@ -4669,12 +6093,8 @@
           <a:lstStyle/>
           <a:p>
             <a:r>
-              <a:rPr lang="de-DE" dirty="0"/>
-              <a:t>// </a:t>
-            </a:r>
-            <a:r>
-              <a:rPr lang="de-DE" dirty="0" err="1"/>
-              <a:t>Possibilities</a:t>
+              <a:rPr lang="en-US" dirty="0"/>
+              <a:t>Let’s talk business for a moment.</a:t>
             </a:r>
             <a:endParaRPr lang="de-DE" dirty="0"/>
           </a:p>
@@ -4683,115 +6103,159 @@
     </p:spTree>
     <p:extLst>
       <p:ext uri="{BB962C8B-B14F-4D97-AF65-F5344CB8AC3E}">
-        <p14:creationId xmlns:p14="http://schemas.microsoft.com/office/powerpoint/2010/main" val="579678105"/>
+        <p14:creationId xmlns:p14="http://schemas.microsoft.com/office/powerpoint/2010/main" val="3485929114"/>
       </p:ext>
     </p:extLst>
   </p:cSld>
   <p:clrMapOvr>
     <a:masterClrMapping/>
   </p:clrMapOvr>
-  <mc:AlternateContent xmlns:mc="http://schemas.openxmlformats.org/markup-compatibility/2006">
-    <mc:Choice xmlns:p14="http://schemas.microsoft.com/office/powerpoint/2010/main" Requires="p14">
+  <mc:AlternateContent xmlns:mc="http://schemas.openxmlformats.org/markup-compatibility/2006" xmlns:p14="http://schemas.microsoft.com/office/powerpoint/2010/main">
+    <mc:Choice Requires="p14">
+      <p:transition spd="med" p14:dur="700">
+        <p:fade/>
+      </p:transition>
+    </mc:Choice>
+    <mc:Fallback xmlns="">
+      <p:transition spd="med">
+        <p:fade/>
+      </p:transition>
+    </mc:Fallback>
+  </mc:AlternateContent>
+</p:sld>
+</file>
+
+<file path=ppt/slides/slide8.xml><?xml version="1.0" encoding="utf-8"?>
+<p:sld xmlns:a="http://schemas.openxmlformats.org/drawingml/2006/main" xmlns:r="http://schemas.openxmlformats.org/officeDocument/2006/relationships" xmlns:p="http://schemas.openxmlformats.org/presentationml/2006/main">
+  <p:cSld>
+    <p:spTree>
+      <p:nvGrpSpPr>
+        <p:cNvPr id="1" name=""/>
+        <p:cNvGrpSpPr/>
+        <p:nvPr/>
+      </p:nvGrpSpPr>
+      <p:grpSpPr>
+        <a:xfrm>
+          <a:off x="0" y="0"/>
+          <a:ext cx="0" cy="0"/>
+          <a:chOff x="0" y="0"/>
+          <a:chExt cx="0" cy="0"/>
+        </a:xfrm>
+      </p:grpSpPr>
+      <p:sp>
+        <p:nvSpPr>
+          <p:cNvPr id="3" name="Textplatzhalter 2">
+            <a:extLst>
+              <a:ext uri="{FF2B5EF4-FFF2-40B4-BE49-F238E27FC236}">
+                <a16:creationId xmlns:a16="http://schemas.microsoft.com/office/drawing/2014/main" id="{1EEC5243-5993-4D64-8711-BF679FD824E5}"/>
+              </a:ext>
+            </a:extLst>
+          </p:cNvPr>
+          <p:cNvSpPr>
+            <a:spLocks noGrp="1"/>
+          </p:cNvSpPr>
+          <p:nvPr>
+            <p:ph type="body" sz="quarter" idx="10"/>
+          </p:nvPr>
+        </p:nvSpPr>
+        <p:spPr/>
+        <p:txBody>
+          <a:bodyPr/>
+          <a:lstStyle/>
+          <a:p>
+            <a:r>
+              <a:rPr lang="en-US" dirty="0"/>
+              <a:t>Social sandbox.</a:t>
+            </a:r>
+            <a:endParaRPr lang="de-DE" dirty="0"/>
+          </a:p>
+        </p:txBody>
+      </p:sp>
+    </p:spTree>
+    <p:extLst>
+      <p:ext uri="{BB962C8B-B14F-4D97-AF65-F5344CB8AC3E}">
+        <p14:creationId xmlns:p14="http://schemas.microsoft.com/office/powerpoint/2010/main" val="2117377227"/>
+      </p:ext>
+    </p:extLst>
+  </p:cSld>
+  <p:clrMapOvr>
+    <a:masterClrMapping/>
+  </p:clrMapOvr>
+  <mc:AlternateContent xmlns:mc="http://schemas.openxmlformats.org/markup-compatibility/2006" xmlns:p14="http://schemas.microsoft.com/office/powerpoint/2010/main">
+    <mc:Choice Requires="p14">
       <p:transition p14:dur="0"/>
     </mc:Choice>
-    <mc:Fallback>
+    <mc:Fallback xmlns="">
       <p:transition/>
     </mc:Fallback>
   </mc:AlternateContent>
-  <p:timing>
-    <p:tnLst>
-      <p:par>
-        <p:cTn id="1" dur="indefinite" restart="never" nodeType="tmRoot">
-          <p:childTnLst>
-            <p:seq concurrent="1" nextAc="seek">
-              <p:cTn id="2" dur="indefinite" nodeType="mainSeq">
-                <p:childTnLst>
-                  <p:par>
-                    <p:cTn id="3" fill="hold">
-                      <p:stCondLst>
-                        <p:cond delay="indefinite"/>
-                      </p:stCondLst>
-                      <p:childTnLst>
-                        <p:par>
-                          <p:cTn id="4" fill="hold">
-                            <p:stCondLst>
-                              <p:cond delay="0"/>
-                            </p:stCondLst>
-                            <p:childTnLst>
-                              <p:par>
-                                <p:cTn id="5" presetID="10" presetClass="entr" presetSubtype="0" fill="hold" grpId="0" nodeType="clickEffect">
-                                  <p:stCondLst>
-                                    <p:cond delay="0"/>
-                                  </p:stCondLst>
-                                  <p:childTnLst>
-                                    <p:set>
-                                      <p:cBhvr>
-                                        <p:cTn id="6" dur="1" fill="hold">
-                                          <p:stCondLst>
-                                            <p:cond delay="0"/>
-                                          </p:stCondLst>
-                                        </p:cTn>
-                                        <p:tgtEl>
-                                          <p:spTgt spid="2">
-                                            <p:txEl>
-                                              <p:pRg st="0" end="0"/>
-                                            </p:txEl>
-                                          </p:spTgt>
-                                        </p:tgtEl>
-                                        <p:attrNameLst>
-                                          <p:attrName>style.visibility</p:attrName>
-                                        </p:attrNameLst>
-                                      </p:cBhvr>
-                                      <p:to>
-                                        <p:strVal val="visible"/>
-                                      </p:to>
-                                    </p:set>
-                                    <p:animEffect transition="in" filter="fade">
-                                      <p:cBhvr>
-                                        <p:cTn id="7" dur="500"/>
-                                        <p:tgtEl>
-                                          <p:spTgt spid="2">
-                                            <p:txEl>
-                                              <p:pRg st="0" end="0"/>
-                                            </p:txEl>
-                                          </p:spTgt>
-                                        </p:tgtEl>
-                                      </p:cBhvr>
-                                    </p:animEffect>
-                                  </p:childTnLst>
-                                </p:cTn>
-                              </p:par>
-                            </p:childTnLst>
-                          </p:cTn>
-                        </p:par>
-                      </p:childTnLst>
-                    </p:cTn>
-                  </p:par>
-                </p:childTnLst>
-              </p:cTn>
-              <p:prevCondLst>
-                <p:cond evt="onPrev" delay="0">
-                  <p:tgtEl>
-                    <p:sldTgt/>
-                  </p:tgtEl>
-                </p:cond>
-              </p:prevCondLst>
-              <p:nextCondLst>
-                <p:cond evt="onNext" delay="0">
-                  <p:tgtEl>
-                    <p:sldTgt/>
-                  </p:tgtEl>
-                </p:cond>
-              </p:nextCondLst>
-            </p:seq>
-          </p:childTnLst>
-        </p:cTn>
-      </p:par>
-    </p:tnLst>
-    <p:bldLst>
-      <p:bldP spid="2" grpId="0" build="p"/>
-    </p:bldLst>
-  </p:timing>
+</p:sld>
+</file>
+
+<file path=ppt/slides/slide9.xml><?xml version="1.0" encoding="utf-8"?>
+<p:sld xmlns:a="http://schemas.openxmlformats.org/drawingml/2006/main" xmlns:r="http://schemas.openxmlformats.org/officeDocument/2006/relationships" xmlns:p="http://schemas.openxmlformats.org/presentationml/2006/main">
+  <p:cSld>
+    <p:spTree>
+      <p:nvGrpSpPr>
+        <p:cNvPr id="1" name=""/>
+        <p:cNvGrpSpPr/>
+        <p:nvPr/>
+      </p:nvGrpSpPr>
+      <p:grpSpPr>
+        <a:xfrm>
+          <a:off x="0" y="0"/>
+          <a:ext cx="0" cy="0"/>
+          <a:chOff x="0" y="0"/>
+          <a:chExt cx="0" cy="0"/>
+        </a:xfrm>
+      </p:grpSpPr>
+      <p:sp>
+        <p:nvSpPr>
+          <p:cNvPr id="3" name="Textplatzhalter 2">
+            <a:extLst>
+              <a:ext uri="{FF2B5EF4-FFF2-40B4-BE49-F238E27FC236}">
+                <a16:creationId xmlns:a16="http://schemas.microsoft.com/office/drawing/2014/main" id="{1EEC5243-5993-4D64-8711-BF679FD824E5}"/>
+              </a:ext>
+            </a:extLst>
+          </p:cNvPr>
+          <p:cNvSpPr>
+            <a:spLocks noGrp="1"/>
+          </p:cNvSpPr>
+          <p:nvPr>
+            <p:ph type="body" sz="quarter" idx="10"/>
+          </p:nvPr>
+        </p:nvSpPr>
+        <p:spPr/>
+        <p:txBody>
+          <a:bodyPr/>
+          <a:lstStyle/>
+          <a:p>
+            <a:r>
+              <a:rPr lang="en-US" dirty="0"/>
+              <a:t>// PCB Closeups</a:t>
+            </a:r>
+            <a:endParaRPr lang="de-DE" dirty="0"/>
+          </a:p>
+        </p:txBody>
+      </p:sp>
+    </p:spTree>
+    <p:extLst>
+      <p:ext uri="{BB962C8B-B14F-4D97-AF65-F5344CB8AC3E}">
+        <p14:creationId xmlns:p14="http://schemas.microsoft.com/office/powerpoint/2010/main" val="2466478572"/>
+      </p:ext>
+    </p:extLst>
+  </p:cSld>
+  <p:clrMapOvr>
+    <a:masterClrMapping/>
+  </p:clrMapOvr>
+  <mc:AlternateContent xmlns:mc="http://schemas.openxmlformats.org/markup-compatibility/2006" xmlns:p14="http://schemas.microsoft.com/office/powerpoint/2010/main">
+    <mc:Choice Requires="p14">
+      <p:transition p14:dur="0"/>
+    </mc:Choice>
+    <mc:Fallback xmlns="">
+      <p:transition/>
+    </mc:Fallback>
+  </mc:AlternateContent>
 </p:sld>
 </file>
 
